--- a/[apt_rent] FinPro_DS32_FinPro_Satria Herlambang Pamungkas Said.pptx
+++ b/[apt_rent] FinPro_DS32_FinPro_Satria Herlambang Pamungkas Said.pptx
@@ -30321,7 +30321,7 @@
             </a:pPr>
             <a:r>
               <a:rPr lang="en-AU" sz="6000" dirty="0"/>
-              <a:t>Apartment rental market analysis</a:t>
+              <a:t>Apartment rental PRICE PREDICTION</a:t>
             </a:r>
           </a:p>
         </p:txBody>
@@ -38293,6 +38293,36 @@
           </a:prstGeom>
         </p:spPr>
       </p:pic>
+      <p:pic>
+        <p:nvPicPr>
+          <p:cNvPr id="2" name="Picture 1">
+            <a:extLst>
+              <a:ext uri="{FF2B5EF4-FFF2-40B4-BE49-F238E27FC236}">
+                <a16:creationId xmlns:a16="http://schemas.microsoft.com/office/drawing/2014/main" id="{ABC280A6-4A56-DCD9-22CC-47137C2B92C3}"/>
+              </a:ext>
+            </a:extLst>
+          </p:cNvPr>
+          <p:cNvPicPr>
+            <a:picLocks noChangeAspect="1"/>
+          </p:cNvPicPr>
+          <p:nvPr/>
+        </p:nvPicPr>
+        <p:blipFill>
+          <a:blip r:embed="rId3"/>
+          <a:stretch>
+            <a:fillRect/>
+          </a:stretch>
+        </p:blipFill>
+        <p:spPr>
+          <a:xfrm>
+            <a:off x="7276780" y="486025"/>
+            <a:ext cx="1181420" cy="1447800"/>
+          </a:xfrm>
+          <a:prstGeom prst="rect">
+            <a:avLst/>
+          </a:prstGeom>
+        </p:spPr>
+      </p:pic>
     </p:spTree>
     <p:extLst>
       <p:ext uri="{BB962C8B-B14F-4D97-AF65-F5344CB8AC3E}">

--- a/[apt_rent] FinPro_DS32_FinPro_Satria Herlambang Pamungkas Said.pptx
+++ b/[apt_rent] FinPro_DS32_FinPro_Satria Herlambang Pamungkas Said.pptx
@@ -5,7 +5,7 @@
     <p:sldMasterId id="2147483681" r:id="rId1"/>
   </p:sldMasterIdLst>
   <p:notesMasterIdLst>
-    <p:notesMasterId r:id="rId25"/>
+    <p:notesMasterId r:id="rId28"/>
   </p:notesMasterIdLst>
   <p:sldIdLst>
     <p:sldId id="256" r:id="rId2"/>
@@ -15,52 +15,55 @@
     <p:sldId id="260" r:id="rId6"/>
     <p:sldId id="318" r:id="rId7"/>
     <p:sldId id="261" r:id="rId8"/>
-    <p:sldId id="277" r:id="rId9"/>
-    <p:sldId id="263" r:id="rId10"/>
-    <p:sldId id="313" r:id="rId11"/>
-    <p:sldId id="278" r:id="rId12"/>
-    <p:sldId id="280" r:id="rId13"/>
-    <p:sldId id="276" r:id="rId14"/>
-    <p:sldId id="316" r:id="rId15"/>
-    <p:sldId id="319" r:id="rId16"/>
-    <p:sldId id="320" r:id="rId17"/>
-    <p:sldId id="314" r:id="rId18"/>
-    <p:sldId id="279" r:id="rId19"/>
-    <p:sldId id="315" r:id="rId20"/>
-    <p:sldId id="281" r:id="rId21"/>
-    <p:sldId id="321" r:id="rId22"/>
-    <p:sldId id="317" r:id="rId23"/>
-    <p:sldId id="290" r:id="rId24"/>
+    <p:sldId id="313" r:id="rId9"/>
+    <p:sldId id="277" r:id="rId10"/>
+    <p:sldId id="263" r:id="rId11"/>
+    <p:sldId id="322" r:id="rId12"/>
+    <p:sldId id="278" r:id="rId13"/>
+    <p:sldId id="280" r:id="rId14"/>
+    <p:sldId id="276" r:id="rId15"/>
+    <p:sldId id="316" r:id="rId16"/>
+    <p:sldId id="319" r:id="rId17"/>
+    <p:sldId id="320" r:id="rId18"/>
+    <p:sldId id="314" r:id="rId19"/>
+    <p:sldId id="279" r:id="rId20"/>
+    <p:sldId id="315" r:id="rId21"/>
+    <p:sldId id="281" r:id="rId22"/>
+    <p:sldId id="323" r:id="rId23"/>
+    <p:sldId id="321" r:id="rId24"/>
+    <p:sldId id="324" r:id="rId25"/>
+    <p:sldId id="317" r:id="rId26"/>
+    <p:sldId id="290" r:id="rId27"/>
   </p:sldIdLst>
   <p:sldSz cx="9144000" cy="5143500" type="screen16x9"/>
   <p:notesSz cx="6858000" cy="9144000"/>
   <p:embeddedFontLst>
     <p:embeddedFont>
       <p:font typeface="Bebas Neue" panose="020B0606020202050201" pitchFamily="34" charset="77"/>
-      <p:regular r:id="rId26"/>
+      <p:regular r:id="rId29"/>
     </p:embeddedFont>
     <p:embeddedFont>
       <p:font typeface="Body Grotesque Large" panose="020F0502020204030204" pitchFamily="34" charset="0"/>
-      <p:regular r:id="rId27"/>
-      <p:bold r:id="rId28"/>
-      <p:italic r:id="rId29"/>
-      <p:boldItalic r:id="rId30"/>
+      <p:regular r:id="rId30"/>
+      <p:bold r:id="rId31"/>
+      <p:italic r:id="rId32"/>
+      <p:boldItalic r:id="rId33"/>
     </p:embeddedFont>
     <p:embeddedFont>
       <p:font typeface="Bungee" pitchFamily="2" charset="77"/>
-      <p:regular r:id="rId31"/>
+      <p:regular r:id="rId34"/>
     </p:embeddedFont>
     <p:embeddedFont>
       <p:font typeface="Lato" panose="020F0502020204030203" pitchFamily="34" charset="0"/>
-      <p:regular r:id="rId32"/>
-      <p:bold r:id="rId33"/>
-      <p:italic r:id="rId34"/>
-      <p:boldItalic r:id="rId35"/>
+      <p:regular r:id="rId35"/>
+      <p:bold r:id="rId36"/>
+      <p:italic r:id="rId37"/>
+      <p:boldItalic r:id="rId38"/>
     </p:embeddedFont>
     <p:embeddedFont>
       <p:font typeface="Lexend Deca" pitchFamily="2" charset="77"/>
-      <p:regular r:id="rId36"/>
-      <p:bold r:id="rId37"/>
+      <p:regular r:id="rId39"/>
+      <p:bold r:id="rId40"/>
     </p:embeddedFont>
   </p:embeddedFontLst>
   <p:defaultTextStyle>
@@ -850,10 +853,114 @@
   <p:cSld>
     <p:spTree>
       <p:nvGrpSpPr>
+        <p:cNvPr id="1" name="Shape 531"/>
+        <p:cNvGrpSpPr/>
+        <p:nvPr/>
+      </p:nvGrpSpPr>
+      <p:grpSpPr>
+        <a:xfrm>
+          <a:off x="0" y="0"/>
+          <a:ext cx="0" cy="0"/>
+          <a:chOff x="0" y="0"/>
+          <a:chExt cx="0" cy="0"/>
+        </a:xfrm>
+      </p:grpSpPr>
+      <p:sp>
+        <p:nvSpPr>
+          <p:cNvPr id="532" name="Google Shape;532;gafead7cb4c_2_6:notes"/>
+          <p:cNvSpPr>
+            <a:spLocks noGrp="1" noRot="1" noChangeAspect="1"/>
+          </p:cNvSpPr>
+          <p:nvPr>
+            <p:ph type="sldImg" idx="2"/>
+          </p:nvPr>
+        </p:nvSpPr>
+        <p:spPr>
+          <a:xfrm>
+            <a:off x="381000" y="685800"/>
+            <a:ext cx="6096000" cy="3429000"/>
+          </a:xfrm>
+          <a:custGeom>
+            <a:avLst/>
+            <a:gdLst/>
+            <a:ahLst/>
+            <a:cxnLst/>
+            <a:rect l="l" t="t" r="r" b="b"/>
+            <a:pathLst>
+              <a:path w="120000" h="120000" extrusionOk="0">
+                <a:moveTo>
+                  <a:pt x="0" y="0"/>
+                </a:moveTo>
+                <a:lnTo>
+                  <a:pt x="120000" y="0"/>
+                </a:lnTo>
+                <a:lnTo>
+                  <a:pt x="120000" y="120000"/>
+                </a:lnTo>
+                <a:lnTo>
+                  <a:pt x="0" y="120000"/>
+                </a:lnTo>
+                <a:close/>
+              </a:path>
+            </a:pathLst>
+          </a:custGeom>
+        </p:spPr>
+      </p:sp>
+      <p:sp>
+        <p:nvSpPr>
+          <p:cNvPr id="533" name="Google Shape;533;gafead7cb4c_2_6:notes"/>
+          <p:cNvSpPr txBox="1">
+            <a:spLocks noGrp="1"/>
+          </p:cNvSpPr>
+          <p:nvPr>
+            <p:ph type="body" idx="1"/>
+          </p:nvPr>
+        </p:nvSpPr>
+        <p:spPr>
+          <a:xfrm>
+            <a:off x="685800" y="4343400"/>
+            <a:ext cx="5486400" cy="4114800"/>
+          </a:xfrm>
+          <a:prstGeom prst="rect">
+            <a:avLst/>
+          </a:prstGeom>
+        </p:spPr>
+        <p:txBody>
+          <a:bodyPr spcFirstLastPara="1" wrap="square" lIns="91425" tIns="91425" rIns="91425" bIns="91425" anchor="t" anchorCtr="0">
+            <a:noAutofit/>
+          </a:bodyPr>
+          <a:lstStyle/>
+          <a:p>
+            <a:pPr marL="0" lvl="0" indent="0" algn="l" rtl="0">
+              <a:spcBef>
+                <a:spcPts val="0"/>
+              </a:spcBef>
+              <a:spcAft>
+                <a:spcPts val="0"/>
+              </a:spcAft>
+              <a:buNone/>
+            </a:pPr>
+            <a:endParaRPr/>
+          </a:p>
+        </p:txBody>
+      </p:sp>
+    </p:spTree>
+  </p:cSld>
+  <p:clrMapOvr>
+    <a:masterClrMapping/>
+  </p:clrMapOvr>
+</p:notes>
+</file>
+
+<file path=ppt/notesSlides/notesSlide11.xml><?xml version="1.0" encoding="utf-8"?>
+<p:notes xmlns:a="http://schemas.openxmlformats.org/drawingml/2006/main" xmlns:r="http://schemas.openxmlformats.org/officeDocument/2006/relationships" xmlns:p="http://schemas.openxmlformats.org/presentationml/2006/main" showMasterSp="0" showMasterPhAnim="0">
+  <p:cSld>
+    <p:spTree>
+      <p:nvGrpSpPr>
         <p:cNvPr id="1" name="Shape 480">
           <a:extLst>
             <a:ext uri="{FF2B5EF4-FFF2-40B4-BE49-F238E27FC236}">
-              <a16:creationId xmlns:a16="http://schemas.microsoft.com/office/drawing/2014/main" id="{4F13233B-B3EE-B302-80CF-92772D7D32CC}"/>
+              <a16:creationId xmlns:a16="http://schemas.microsoft.com/office/drawing/2014/main" id="{F4352DD7-29B7-E36B-D56E-EBC158457D62}"/>
             </a:ext>
           </a:extLst>
         </p:cNvPr>
@@ -873,7 +980,7 @@
           <p:cNvPr id="481" name="Google Shape;481;gafead7cb4c_0_109:notes">
             <a:extLst>
               <a:ext uri="{FF2B5EF4-FFF2-40B4-BE49-F238E27FC236}">
-                <a16:creationId xmlns:a16="http://schemas.microsoft.com/office/drawing/2014/main" id="{C8D8E29A-996D-A957-4408-6113F0F75195}"/>
+                <a16:creationId xmlns:a16="http://schemas.microsoft.com/office/drawing/2014/main" id="{E13B312A-CF09-6434-4901-9F6155AA37F0}"/>
               </a:ext>
             </a:extLst>
           </p:cNvPr>
@@ -920,7 +1027,7 @@
           <p:cNvPr id="482" name="Google Shape;482;gafead7cb4c_0_109:notes">
             <a:extLst>
               <a:ext uri="{FF2B5EF4-FFF2-40B4-BE49-F238E27FC236}">
-                <a16:creationId xmlns:a16="http://schemas.microsoft.com/office/drawing/2014/main" id="{EF205B16-5BEF-435F-729E-F14A807F1106}"/>
+                <a16:creationId xmlns:a16="http://schemas.microsoft.com/office/drawing/2014/main" id="{54FFA156-3DA7-85FE-A659-080436F4F4C3}"/>
               </a:ext>
             </a:extLst>
           </p:cNvPr>
@@ -962,7 +1069,7 @@
     </p:spTree>
     <p:extLst>
       <p:ext uri="{BB962C8B-B14F-4D97-AF65-F5344CB8AC3E}">
-        <p14:creationId xmlns:p14="http://schemas.microsoft.com/office/powerpoint/2010/main" val="1017996619"/>
+        <p14:creationId xmlns:p14="http://schemas.microsoft.com/office/powerpoint/2010/main" val="200640051"/>
       </p:ext>
     </p:extLst>
   </p:cSld>
@@ -972,7 +1079,7 @@
 </p:notes>
 </file>
 
-<file path=ppt/notesSlides/notesSlide11.xml><?xml version="1.0" encoding="utf-8"?>
+<file path=ppt/notesSlides/notesSlide12.xml><?xml version="1.0" encoding="utf-8"?>
 <p:notes xmlns:a="http://schemas.openxmlformats.org/drawingml/2006/main" xmlns:r="http://schemas.openxmlformats.org/officeDocument/2006/relationships" xmlns:p="http://schemas.openxmlformats.org/presentationml/2006/main" showMasterSp="0" showMasterPhAnim="0">
   <p:cSld>
     <p:spTree>
@@ -1076,7 +1183,7 @@
 </p:notes>
 </file>
 
-<file path=ppt/notesSlides/notesSlide12.xml><?xml version="1.0" encoding="utf-8"?>
+<file path=ppt/notesSlides/notesSlide13.xml><?xml version="1.0" encoding="utf-8"?>
 <p:notes xmlns:a="http://schemas.openxmlformats.org/drawingml/2006/main" xmlns:r="http://schemas.openxmlformats.org/officeDocument/2006/relationships" xmlns:p="http://schemas.openxmlformats.org/presentationml/2006/main" showMasterSp="0" showMasterPhAnim="0">
   <p:cSld>
     <p:spTree>
@@ -1180,7 +1287,7 @@
 </p:notes>
 </file>
 
-<file path=ppt/notesSlides/notesSlide13.xml><?xml version="1.0" encoding="utf-8"?>
+<file path=ppt/notesSlides/notesSlide14.xml><?xml version="1.0" encoding="utf-8"?>
 <p:notes xmlns:a="http://schemas.openxmlformats.org/drawingml/2006/main" xmlns:r="http://schemas.openxmlformats.org/officeDocument/2006/relationships" xmlns:p="http://schemas.openxmlformats.org/presentationml/2006/main" showMasterSp="0" showMasterPhAnim="0">
   <p:cSld>
     <p:spTree>
@@ -1284,7 +1391,7 @@
 </p:notes>
 </file>
 
-<file path=ppt/notesSlides/notesSlide14.xml><?xml version="1.0" encoding="utf-8"?>
+<file path=ppt/notesSlides/notesSlide15.xml><?xml version="1.0" encoding="utf-8"?>
 <p:notes xmlns:a="http://schemas.openxmlformats.org/drawingml/2006/main" xmlns:r="http://schemas.openxmlformats.org/officeDocument/2006/relationships" xmlns:p="http://schemas.openxmlformats.org/presentationml/2006/main" showMasterSp="0" showMasterPhAnim="0">
   <p:cSld>
     <p:spTree>
@@ -1411,7 +1518,7 @@
 </p:notes>
 </file>
 
-<file path=ppt/notesSlides/notesSlide15.xml><?xml version="1.0" encoding="utf-8"?>
+<file path=ppt/notesSlides/notesSlide16.xml><?xml version="1.0" encoding="utf-8"?>
 <p:notes xmlns:a="http://schemas.openxmlformats.org/drawingml/2006/main" xmlns:r="http://schemas.openxmlformats.org/officeDocument/2006/relationships" xmlns:p="http://schemas.openxmlformats.org/presentationml/2006/main" showMasterSp="0" showMasterPhAnim="0">
   <p:cSld>
     <p:spTree>
@@ -1538,7 +1645,7 @@
 </p:notes>
 </file>
 
-<file path=ppt/notesSlides/notesSlide16.xml><?xml version="1.0" encoding="utf-8"?>
+<file path=ppt/notesSlides/notesSlide17.xml><?xml version="1.0" encoding="utf-8"?>
 <p:notes xmlns:a="http://schemas.openxmlformats.org/drawingml/2006/main" xmlns:r="http://schemas.openxmlformats.org/officeDocument/2006/relationships" xmlns:p="http://schemas.openxmlformats.org/presentationml/2006/main" showMasterSp="0" showMasterPhAnim="0">
   <p:cSld>
     <p:spTree>
@@ -1665,7 +1772,7 @@
 </p:notes>
 </file>
 
-<file path=ppt/notesSlides/notesSlide17.xml><?xml version="1.0" encoding="utf-8"?>
+<file path=ppt/notesSlides/notesSlide18.xml><?xml version="1.0" encoding="utf-8"?>
 <p:notes xmlns:a="http://schemas.openxmlformats.org/drawingml/2006/main" xmlns:r="http://schemas.openxmlformats.org/officeDocument/2006/relationships" xmlns:p="http://schemas.openxmlformats.org/presentationml/2006/main" showMasterSp="0" showMasterPhAnim="0">
   <p:cSld>
     <p:spTree>
@@ -1792,7 +1899,7 @@
 </p:notes>
 </file>
 
-<file path=ppt/notesSlides/notesSlide18.xml><?xml version="1.0" encoding="utf-8"?>
+<file path=ppt/notesSlides/notesSlide19.xml><?xml version="1.0" encoding="utf-8"?>
 <p:notes xmlns:a="http://schemas.openxmlformats.org/drawingml/2006/main" xmlns:r="http://schemas.openxmlformats.org/officeDocument/2006/relationships" xmlns:p="http://schemas.openxmlformats.org/presentationml/2006/main" showMasterSp="0" showMasterPhAnim="0">
   <p:cSld>
     <p:spTree>
@@ -1896,7 +2003,111 @@
 </p:notes>
 </file>
 
-<file path=ppt/notesSlides/notesSlide19.xml><?xml version="1.0" encoding="utf-8"?>
+<file path=ppt/notesSlides/notesSlide2.xml><?xml version="1.0" encoding="utf-8"?>
+<p:notes xmlns:a="http://schemas.openxmlformats.org/drawingml/2006/main" xmlns:r="http://schemas.openxmlformats.org/officeDocument/2006/relationships" xmlns:p="http://schemas.openxmlformats.org/presentationml/2006/main" showMasterSp="0" showMasterPhAnim="0">
+  <p:cSld>
+    <p:spTree>
+      <p:nvGrpSpPr>
+        <p:cNvPr id="1" name="Shape 457"/>
+        <p:cNvGrpSpPr/>
+        <p:nvPr/>
+      </p:nvGrpSpPr>
+      <p:grpSpPr>
+        <a:xfrm>
+          <a:off x="0" y="0"/>
+          <a:ext cx="0" cy="0"/>
+          <a:chOff x="0" y="0"/>
+          <a:chExt cx="0" cy="0"/>
+        </a:xfrm>
+      </p:grpSpPr>
+      <p:sp>
+        <p:nvSpPr>
+          <p:cNvPr id="458" name="Google Shape;458;ge0c9dfbb84_1_109:notes"/>
+          <p:cNvSpPr>
+            <a:spLocks noGrp="1" noRot="1" noChangeAspect="1"/>
+          </p:cNvSpPr>
+          <p:nvPr>
+            <p:ph type="sldImg" idx="2"/>
+          </p:nvPr>
+        </p:nvSpPr>
+        <p:spPr>
+          <a:xfrm>
+            <a:off x="381000" y="685800"/>
+            <a:ext cx="6096000" cy="3429000"/>
+          </a:xfrm>
+          <a:custGeom>
+            <a:avLst/>
+            <a:gdLst/>
+            <a:ahLst/>
+            <a:cxnLst/>
+            <a:rect l="l" t="t" r="r" b="b"/>
+            <a:pathLst>
+              <a:path w="120000" h="120000" extrusionOk="0">
+                <a:moveTo>
+                  <a:pt x="0" y="0"/>
+                </a:moveTo>
+                <a:lnTo>
+                  <a:pt x="120000" y="0"/>
+                </a:lnTo>
+                <a:lnTo>
+                  <a:pt x="120000" y="120000"/>
+                </a:lnTo>
+                <a:lnTo>
+                  <a:pt x="0" y="120000"/>
+                </a:lnTo>
+                <a:close/>
+              </a:path>
+            </a:pathLst>
+          </a:custGeom>
+        </p:spPr>
+      </p:sp>
+      <p:sp>
+        <p:nvSpPr>
+          <p:cNvPr id="459" name="Google Shape;459;ge0c9dfbb84_1_109:notes"/>
+          <p:cNvSpPr txBox="1">
+            <a:spLocks noGrp="1"/>
+          </p:cNvSpPr>
+          <p:nvPr>
+            <p:ph type="body" idx="1"/>
+          </p:nvPr>
+        </p:nvSpPr>
+        <p:spPr>
+          <a:xfrm>
+            <a:off x="685800" y="4343400"/>
+            <a:ext cx="5486400" cy="4114800"/>
+          </a:xfrm>
+          <a:prstGeom prst="rect">
+            <a:avLst/>
+          </a:prstGeom>
+        </p:spPr>
+        <p:txBody>
+          <a:bodyPr spcFirstLastPara="1" wrap="square" lIns="91425" tIns="91425" rIns="91425" bIns="91425" anchor="t" anchorCtr="0">
+            <a:noAutofit/>
+          </a:bodyPr>
+          <a:lstStyle/>
+          <a:p>
+            <a:pPr marL="0" lvl="0" indent="0" algn="l" rtl="0">
+              <a:spcBef>
+                <a:spcPts val="0"/>
+              </a:spcBef>
+              <a:spcAft>
+                <a:spcPts val="0"/>
+              </a:spcAft>
+              <a:buNone/>
+            </a:pPr>
+            <a:endParaRPr/>
+          </a:p>
+        </p:txBody>
+      </p:sp>
+    </p:spTree>
+  </p:cSld>
+  <p:clrMapOvr>
+    <a:masterClrMapping/>
+  </p:clrMapOvr>
+</p:notes>
+</file>
+
+<file path=ppt/notesSlides/notesSlide20.xml><?xml version="1.0" encoding="utf-8"?>
 <p:notes xmlns:a="http://schemas.openxmlformats.org/drawingml/2006/main" xmlns:r="http://schemas.openxmlformats.org/officeDocument/2006/relationships" xmlns:p="http://schemas.openxmlformats.org/presentationml/2006/main" showMasterSp="0" showMasterPhAnim="0">
   <p:cSld>
     <p:spTree>
@@ -2023,111 +2234,7 @@
 </p:notes>
 </file>
 
-<file path=ppt/notesSlides/notesSlide2.xml><?xml version="1.0" encoding="utf-8"?>
-<p:notes xmlns:a="http://schemas.openxmlformats.org/drawingml/2006/main" xmlns:r="http://schemas.openxmlformats.org/officeDocument/2006/relationships" xmlns:p="http://schemas.openxmlformats.org/presentationml/2006/main" showMasterSp="0" showMasterPhAnim="0">
-  <p:cSld>
-    <p:spTree>
-      <p:nvGrpSpPr>
-        <p:cNvPr id="1" name="Shape 457"/>
-        <p:cNvGrpSpPr/>
-        <p:nvPr/>
-      </p:nvGrpSpPr>
-      <p:grpSpPr>
-        <a:xfrm>
-          <a:off x="0" y="0"/>
-          <a:ext cx="0" cy="0"/>
-          <a:chOff x="0" y="0"/>
-          <a:chExt cx="0" cy="0"/>
-        </a:xfrm>
-      </p:grpSpPr>
-      <p:sp>
-        <p:nvSpPr>
-          <p:cNvPr id="458" name="Google Shape;458;ge0c9dfbb84_1_109:notes"/>
-          <p:cNvSpPr>
-            <a:spLocks noGrp="1" noRot="1" noChangeAspect="1"/>
-          </p:cNvSpPr>
-          <p:nvPr>
-            <p:ph type="sldImg" idx="2"/>
-          </p:nvPr>
-        </p:nvSpPr>
-        <p:spPr>
-          <a:xfrm>
-            <a:off x="381000" y="685800"/>
-            <a:ext cx="6096000" cy="3429000"/>
-          </a:xfrm>
-          <a:custGeom>
-            <a:avLst/>
-            <a:gdLst/>
-            <a:ahLst/>
-            <a:cxnLst/>
-            <a:rect l="l" t="t" r="r" b="b"/>
-            <a:pathLst>
-              <a:path w="120000" h="120000" extrusionOk="0">
-                <a:moveTo>
-                  <a:pt x="0" y="0"/>
-                </a:moveTo>
-                <a:lnTo>
-                  <a:pt x="120000" y="0"/>
-                </a:lnTo>
-                <a:lnTo>
-                  <a:pt x="120000" y="120000"/>
-                </a:lnTo>
-                <a:lnTo>
-                  <a:pt x="0" y="120000"/>
-                </a:lnTo>
-                <a:close/>
-              </a:path>
-            </a:pathLst>
-          </a:custGeom>
-        </p:spPr>
-      </p:sp>
-      <p:sp>
-        <p:nvSpPr>
-          <p:cNvPr id="459" name="Google Shape;459;ge0c9dfbb84_1_109:notes"/>
-          <p:cNvSpPr txBox="1">
-            <a:spLocks noGrp="1"/>
-          </p:cNvSpPr>
-          <p:nvPr>
-            <p:ph type="body" idx="1"/>
-          </p:nvPr>
-        </p:nvSpPr>
-        <p:spPr>
-          <a:xfrm>
-            <a:off x="685800" y="4343400"/>
-            <a:ext cx="5486400" cy="4114800"/>
-          </a:xfrm>
-          <a:prstGeom prst="rect">
-            <a:avLst/>
-          </a:prstGeom>
-        </p:spPr>
-        <p:txBody>
-          <a:bodyPr spcFirstLastPara="1" wrap="square" lIns="91425" tIns="91425" rIns="91425" bIns="91425" anchor="t" anchorCtr="0">
-            <a:noAutofit/>
-          </a:bodyPr>
-          <a:lstStyle/>
-          <a:p>
-            <a:pPr marL="0" lvl="0" indent="0" algn="l" rtl="0">
-              <a:spcBef>
-                <a:spcPts val="0"/>
-              </a:spcBef>
-              <a:spcAft>
-                <a:spcPts val="0"/>
-              </a:spcAft>
-              <a:buNone/>
-            </a:pPr>
-            <a:endParaRPr/>
-          </a:p>
-        </p:txBody>
-      </p:sp>
-    </p:spTree>
-  </p:cSld>
-  <p:clrMapOvr>
-    <a:masterClrMapping/>
-  </p:clrMapOvr>
-</p:notes>
-</file>
-
-<file path=ppt/notesSlides/notesSlide20.xml><?xml version="1.0" encoding="utf-8"?>
+<file path=ppt/notesSlides/notesSlide21.xml><?xml version="1.0" encoding="utf-8"?>
 <p:notes xmlns:a="http://schemas.openxmlformats.org/drawingml/2006/main" xmlns:r="http://schemas.openxmlformats.org/officeDocument/2006/relationships" xmlns:p="http://schemas.openxmlformats.org/presentationml/2006/main" showMasterSp="0" showMasterPhAnim="0">
   <p:cSld>
     <p:spTree>
@@ -2231,7 +2338,261 @@
 </p:notes>
 </file>
 
-<file path=ppt/notesSlides/notesSlide21.xml><?xml version="1.0" encoding="utf-8"?>
+<file path=ppt/notesSlides/notesSlide22.xml><?xml version="1.0" encoding="utf-8"?>
+<p:notes xmlns:a="http://schemas.openxmlformats.org/drawingml/2006/main" xmlns:r="http://schemas.openxmlformats.org/officeDocument/2006/relationships" xmlns:p="http://schemas.openxmlformats.org/presentationml/2006/main" showMasterSp="0" showMasterPhAnim="0">
+  <p:cSld>
+    <p:spTree>
+      <p:nvGrpSpPr>
+        <p:cNvPr id="1" name="Shape 480">
+          <a:extLst>
+            <a:ext uri="{FF2B5EF4-FFF2-40B4-BE49-F238E27FC236}">
+              <a16:creationId xmlns:a16="http://schemas.microsoft.com/office/drawing/2014/main" id="{792CD334-9009-57F8-40E5-AD71458A144A}"/>
+            </a:ext>
+          </a:extLst>
+        </p:cNvPr>
+        <p:cNvGrpSpPr/>
+        <p:nvPr/>
+      </p:nvGrpSpPr>
+      <p:grpSpPr>
+        <a:xfrm>
+          <a:off x="0" y="0"/>
+          <a:ext cx="0" cy="0"/>
+          <a:chOff x="0" y="0"/>
+          <a:chExt cx="0" cy="0"/>
+        </a:xfrm>
+      </p:grpSpPr>
+      <p:sp>
+        <p:nvSpPr>
+          <p:cNvPr id="481" name="Google Shape;481;gafead7cb4c_0_109:notes">
+            <a:extLst>
+              <a:ext uri="{FF2B5EF4-FFF2-40B4-BE49-F238E27FC236}">
+                <a16:creationId xmlns:a16="http://schemas.microsoft.com/office/drawing/2014/main" id="{D864662D-9CFD-422B-26E0-B1D3E779E9A2}"/>
+              </a:ext>
+            </a:extLst>
+          </p:cNvPr>
+          <p:cNvSpPr>
+            <a:spLocks noGrp="1" noRot="1" noChangeAspect="1"/>
+          </p:cNvSpPr>
+          <p:nvPr>
+            <p:ph type="sldImg" idx="2"/>
+          </p:nvPr>
+        </p:nvSpPr>
+        <p:spPr>
+          <a:xfrm>
+            <a:off x="381000" y="685800"/>
+            <a:ext cx="6096000" cy="3429000"/>
+          </a:xfrm>
+          <a:custGeom>
+            <a:avLst/>
+            <a:gdLst/>
+            <a:ahLst/>
+            <a:cxnLst/>
+            <a:rect l="l" t="t" r="r" b="b"/>
+            <a:pathLst>
+              <a:path w="120000" h="120000" extrusionOk="0">
+                <a:moveTo>
+                  <a:pt x="0" y="0"/>
+                </a:moveTo>
+                <a:lnTo>
+                  <a:pt x="120000" y="0"/>
+                </a:lnTo>
+                <a:lnTo>
+                  <a:pt x="120000" y="120000"/>
+                </a:lnTo>
+                <a:lnTo>
+                  <a:pt x="0" y="120000"/>
+                </a:lnTo>
+                <a:close/>
+              </a:path>
+            </a:pathLst>
+          </a:custGeom>
+        </p:spPr>
+      </p:sp>
+      <p:sp>
+        <p:nvSpPr>
+          <p:cNvPr id="482" name="Google Shape;482;gafead7cb4c_0_109:notes">
+            <a:extLst>
+              <a:ext uri="{FF2B5EF4-FFF2-40B4-BE49-F238E27FC236}">
+                <a16:creationId xmlns:a16="http://schemas.microsoft.com/office/drawing/2014/main" id="{F4A5ED51-301F-6BFC-34BB-F5B373C1D52D}"/>
+              </a:ext>
+            </a:extLst>
+          </p:cNvPr>
+          <p:cNvSpPr txBox="1">
+            <a:spLocks noGrp="1"/>
+          </p:cNvSpPr>
+          <p:nvPr>
+            <p:ph type="body" idx="1"/>
+          </p:nvPr>
+        </p:nvSpPr>
+        <p:spPr>
+          <a:xfrm>
+            <a:off x="685800" y="4343400"/>
+            <a:ext cx="5486400" cy="4114800"/>
+          </a:xfrm>
+          <a:prstGeom prst="rect">
+            <a:avLst/>
+          </a:prstGeom>
+        </p:spPr>
+        <p:txBody>
+          <a:bodyPr spcFirstLastPara="1" wrap="square" lIns="91425" tIns="91425" rIns="91425" bIns="91425" anchor="t" anchorCtr="0">
+            <a:noAutofit/>
+          </a:bodyPr>
+          <a:lstStyle/>
+          <a:p>
+            <a:pPr marL="0" lvl="0" indent="0" algn="l" rtl="0">
+              <a:spcBef>
+                <a:spcPts val="0"/>
+              </a:spcBef>
+              <a:spcAft>
+                <a:spcPts val="0"/>
+              </a:spcAft>
+              <a:buNone/>
+            </a:pPr>
+            <a:endParaRPr/>
+          </a:p>
+        </p:txBody>
+      </p:sp>
+    </p:spTree>
+    <p:extLst>
+      <p:ext uri="{BB962C8B-B14F-4D97-AF65-F5344CB8AC3E}">
+        <p14:creationId xmlns:p14="http://schemas.microsoft.com/office/powerpoint/2010/main" val="70459729"/>
+      </p:ext>
+    </p:extLst>
+  </p:cSld>
+  <p:clrMapOvr>
+    <a:masterClrMapping/>
+  </p:clrMapOvr>
+</p:notes>
+</file>
+
+<file path=ppt/notesSlides/notesSlide23.xml><?xml version="1.0" encoding="utf-8"?>
+<p:notes xmlns:a="http://schemas.openxmlformats.org/drawingml/2006/main" xmlns:r="http://schemas.openxmlformats.org/officeDocument/2006/relationships" xmlns:p="http://schemas.openxmlformats.org/presentationml/2006/main" showMasterSp="0" showMasterPhAnim="0">
+  <p:cSld>
+    <p:spTree>
+      <p:nvGrpSpPr>
+        <p:cNvPr id="1" name="Shape 480">
+          <a:extLst>
+            <a:ext uri="{FF2B5EF4-FFF2-40B4-BE49-F238E27FC236}">
+              <a16:creationId xmlns:a16="http://schemas.microsoft.com/office/drawing/2014/main" id="{D4E5FB2A-87CF-2C65-FC0C-BBD7A8BB02BD}"/>
+            </a:ext>
+          </a:extLst>
+        </p:cNvPr>
+        <p:cNvGrpSpPr/>
+        <p:nvPr/>
+      </p:nvGrpSpPr>
+      <p:grpSpPr>
+        <a:xfrm>
+          <a:off x="0" y="0"/>
+          <a:ext cx="0" cy="0"/>
+          <a:chOff x="0" y="0"/>
+          <a:chExt cx="0" cy="0"/>
+        </a:xfrm>
+      </p:grpSpPr>
+      <p:sp>
+        <p:nvSpPr>
+          <p:cNvPr id="481" name="Google Shape;481;gafead7cb4c_0_109:notes">
+            <a:extLst>
+              <a:ext uri="{FF2B5EF4-FFF2-40B4-BE49-F238E27FC236}">
+                <a16:creationId xmlns:a16="http://schemas.microsoft.com/office/drawing/2014/main" id="{986756F2-E323-0E93-D299-361C86DD3404}"/>
+              </a:ext>
+            </a:extLst>
+          </p:cNvPr>
+          <p:cNvSpPr>
+            <a:spLocks noGrp="1" noRot="1" noChangeAspect="1"/>
+          </p:cNvSpPr>
+          <p:nvPr>
+            <p:ph type="sldImg" idx="2"/>
+          </p:nvPr>
+        </p:nvSpPr>
+        <p:spPr>
+          <a:xfrm>
+            <a:off x="381000" y="685800"/>
+            <a:ext cx="6096000" cy="3429000"/>
+          </a:xfrm>
+          <a:custGeom>
+            <a:avLst/>
+            <a:gdLst/>
+            <a:ahLst/>
+            <a:cxnLst/>
+            <a:rect l="l" t="t" r="r" b="b"/>
+            <a:pathLst>
+              <a:path w="120000" h="120000" extrusionOk="0">
+                <a:moveTo>
+                  <a:pt x="0" y="0"/>
+                </a:moveTo>
+                <a:lnTo>
+                  <a:pt x="120000" y="0"/>
+                </a:lnTo>
+                <a:lnTo>
+                  <a:pt x="120000" y="120000"/>
+                </a:lnTo>
+                <a:lnTo>
+                  <a:pt x="0" y="120000"/>
+                </a:lnTo>
+                <a:close/>
+              </a:path>
+            </a:pathLst>
+          </a:custGeom>
+        </p:spPr>
+      </p:sp>
+      <p:sp>
+        <p:nvSpPr>
+          <p:cNvPr id="482" name="Google Shape;482;gafead7cb4c_0_109:notes">
+            <a:extLst>
+              <a:ext uri="{FF2B5EF4-FFF2-40B4-BE49-F238E27FC236}">
+                <a16:creationId xmlns:a16="http://schemas.microsoft.com/office/drawing/2014/main" id="{236EBE7B-CC55-ADAF-AFF3-685B6C23F3B0}"/>
+              </a:ext>
+            </a:extLst>
+          </p:cNvPr>
+          <p:cNvSpPr txBox="1">
+            <a:spLocks noGrp="1"/>
+          </p:cNvSpPr>
+          <p:nvPr>
+            <p:ph type="body" idx="1"/>
+          </p:nvPr>
+        </p:nvSpPr>
+        <p:spPr>
+          <a:xfrm>
+            <a:off x="685800" y="4343400"/>
+            <a:ext cx="5486400" cy="4114800"/>
+          </a:xfrm>
+          <a:prstGeom prst="rect">
+            <a:avLst/>
+          </a:prstGeom>
+        </p:spPr>
+        <p:txBody>
+          <a:bodyPr spcFirstLastPara="1" wrap="square" lIns="91425" tIns="91425" rIns="91425" bIns="91425" anchor="t" anchorCtr="0">
+            <a:noAutofit/>
+          </a:bodyPr>
+          <a:lstStyle/>
+          <a:p>
+            <a:pPr marL="0" lvl="0" indent="0" algn="l" rtl="0">
+              <a:spcBef>
+                <a:spcPts val="0"/>
+              </a:spcBef>
+              <a:spcAft>
+                <a:spcPts val="0"/>
+              </a:spcAft>
+              <a:buNone/>
+            </a:pPr>
+            <a:endParaRPr/>
+          </a:p>
+        </p:txBody>
+      </p:sp>
+    </p:spTree>
+    <p:extLst>
+      <p:ext uri="{BB962C8B-B14F-4D97-AF65-F5344CB8AC3E}">
+        <p14:creationId xmlns:p14="http://schemas.microsoft.com/office/powerpoint/2010/main" val="2316663751"/>
+      </p:ext>
+    </p:extLst>
+  </p:cSld>
+  <p:clrMapOvr>
+    <a:masterClrMapping/>
+  </p:clrMapOvr>
+</p:notes>
+</file>
+
+<file path=ppt/notesSlides/notesSlide24.xml><?xml version="1.0" encoding="utf-8"?>
 <p:notes xmlns:a="http://schemas.openxmlformats.org/drawingml/2006/main" xmlns:r="http://schemas.openxmlformats.org/officeDocument/2006/relationships" xmlns:p="http://schemas.openxmlformats.org/presentationml/2006/main" showMasterSp="0" showMasterPhAnim="0">
   <p:cSld>
     <p:spTree>
@@ -2358,7 +2719,7 @@
 </p:notes>
 </file>
 
-<file path=ppt/notesSlides/notesSlide22.xml><?xml version="1.0" encoding="utf-8"?>
+<file path=ppt/notesSlides/notesSlide25.xml><?xml version="1.0" encoding="utf-8"?>
 <p:notes xmlns:a="http://schemas.openxmlformats.org/drawingml/2006/main" xmlns:r="http://schemas.openxmlformats.org/officeDocument/2006/relationships" xmlns:p="http://schemas.openxmlformats.org/presentationml/2006/main" showMasterSp="0" showMasterPhAnim="0">
   <p:cSld>
     <p:spTree>
@@ -3010,6 +3371,133 @@
   <p:cSld>
     <p:spTree>
       <p:nvGrpSpPr>
+        <p:cNvPr id="1" name="Shape 480">
+          <a:extLst>
+            <a:ext uri="{FF2B5EF4-FFF2-40B4-BE49-F238E27FC236}">
+              <a16:creationId xmlns:a16="http://schemas.microsoft.com/office/drawing/2014/main" id="{4F13233B-B3EE-B302-80CF-92772D7D32CC}"/>
+            </a:ext>
+          </a:extLst>
+        </p:cNvPr>
+        <p:cNvGrpSpPr/>
+        <p:nvPr/>
+      </p:nvGrpSpPr>
+      <p:grpSpPr>
+        <a:xfrm>
+          <a:off x="0" y="0"/>
+          <a:ext cx="0" cy="0"/>
+          <a:chOff x="0" y="0"/>
+          <a:chExt cx="0" cy="0"/>
+        </a:xfrm>
+      </p:grpSpPr>
+      <p:sp>
+        <p:nvSpPr>
+          <p:cNvPr id="481" name="Google Shape;481;gafead7cb4c_0_109:notes">
+            <a:extLst>
+              <a:ext uri="{FF2B5EF4-FFF2-40B4-BE49-F238E27FC236}">
+                <a16:creationId xmlns:a16="http://schemas.microsoft.com/office/drawing/2014/main" id="{C8D8E29A-996D-A957-4408-6113F0F75195}"/>
+              </a:ext>
+            </a:extLst>
+          </p:cNvPr>
+          <p:cNvSpPr>
+            <a:spLocks noGrp="1" noRot="1" noChangeAspect="1"/>
+          </p:cNvSpPr>
+          <p:nvPr>
+            <p:ph type="sldImg" idx="2"/>
+          </p:nvPr>
+        </p:nvSpPr>
+        <p:spPr>
+          <a:xfrm>
+            <a:off x="381000" y="685800"/>
+            <a:ext cx="6096000" cy="3429000"/>
+          </a:xfrm>
+          <a:custGeom>
+            <a:avLst/>
+            <a:gdLst/>
+            <a:ahLst/>
+            <a:cxnLst/>
+            <a:rect l="l" t="t" r="r" b="b"/>
+            <a:pathLst>
+              <a:path w="120000" h="120000" extrusionOk="0">
+                <a:moveTo>
+                  <a:pt x="0" y="0"/>
+                </a:moveTo>
+                <a:lnTo>
+                  <a:pt x="120000" y="0"/>
+                </a:lnTo>
+                <a:lnTo>
+                  <a:pt x="120000" y="120000"/>
+                </a:lnTo>
+                <a:lnTo>
+                  <a:pt x="0" y="120000"/>
+                </a:lnTo>
+                <a:close/>
+              </a:path>
+            </a:pathLst>
+          </a:custGeom>
+        </p:spPr>
+      </p:sp>
+      <p:sp>
+        <p:nvSpPr>
+          <p:cNvPr id="482" name="Google Shape;482;gafead7cb4c_0_109:notes">
+            <a:extLst>
+              <a:ext uri="{FF2B5EF4-FFF2-40B4-BE49-F238E27FC236}">
+                <a16:creationId xmlns:a16="http://schemas.microsoft.com/office/drawing/2014/main" id="{EF205B16-5BEF-435F-729E-F14A807F1106}"/>
+              </a:ext>
+            </a:extLst>
+          </p:cNvPr>
+          <p:cNvSpPr txBox="1">
+            <a:spLocks noGrp="1"/>
+          </p:cNvSpPr>
+          <p:nvPr>
+            <p:ph type="body" idx="1"/>
+          </p:nvPr>
+        </p:nvSpPr>
+        <p:spPr>
+          <a:xfrm>
+            <a:off x="685800" y="4343400"/>
+            <a:ext cx="5486400" cy="4114800"/>
+          </a:xfrm>
+          <a:prstGeom prst="rect">
+            <a:avLst/>
+          </a:prstGeom>
+        </p:spPr>
+        <p:txBody>
+          <a:bodyPr spcFirstLastPara="1" wrap="square" lIns="91425" tIns="91425" rIns="91425" bIns="91425" anchor="t" anchorCtr="0">
+            <a:noAutofit/>
+          </a:bodyPr>
+          <a:lstStyle/>
+          <a:p>
+            <a:pPr marL="0" lvl="0" indent="0" algn="l" rtl="0">
+              <a:spcBef>
+                <a:spcPts val="0"/>
+              </a:spcBef>
+              <a:spcAft>
+                <a:spcPts val="0"/>
+              </a:spcAft>
+              <a:buNone/>
+            </a:pPr>
+            <a:endParaRPr/>
+          </a:p>
+        </p:txBody>
+      </p:sp>
+    </p:spTree>
+    <p:extLst>
+      <p:ext uri="{BB962C8B-B14F-4D97-AF65-F5344CB8AC3E}">
+        <p14:creationId xmlns:p14="http://schemas.microsoft.com/office/powerpoint/2010/main" val="1017996619"/>
+      </p:ext>
+    </p:extLst>
+  </p:cSld>
+  <p:clrMapOvr>
+    <a:masterClrMapping/>
+  </p:clrMapOvr>
+</p:notes>
+</file>
+
+<file path=ppt/notesSlides/notesSlide9.xml><?xml version="1.0" encoding="utf-8"?>
+<p:notes xmlns:a="http://schemas.openxmlformats.org/drawingml/2006/main" xmlns:r="http://schemas.openxmlformats.org/officeDocument/2006/relationships" xmlns:p="http://schemas.openxmlformats.org/presentationml/2006/main" showMasterSp="0" showMasterPhAnim="0">
+  <p:cSld>
+    <p:spTree>
+      <p:nvGrpSpPr>
         <p:cNvPr id="1" name="Shape 867"/>
         <p:cNvGrpSpPr/>
         <p:nvPr/>
@@ -3066,110 +3554,6 @@
       <p:sp>
         <p:nvSpPr>
           <p:cNvPr id="869" name="Google Shape;869;gb6d534723b_0_117:notes"/>
-          <p:cNvSpPr txBox="1">
-            <a:spLocks noGrp="1"/>
-          </p:cNvSpPr>
-          <p:nvPr>
-            <p:ph type="body" idx="1"/>
-          </p:nvPr>
-        </p:nvSpPr>
-        <p:spPr>
-          <a:xfrm>
-            <a:off x="685800" y="4343400"/>
-            <a:ext cx="5486400" cy="4114800"/>
-          </a:xfrm>
-          <a:prstGeom prst="rect">
-            <a:avLst/>
-          </a:prstGeom>
-        </p:spPr>
-        <p:txBody>
-          <a:bodyPr spcFirstLastPara="1" wrap="square" lIns="91425" tIns="91425" rIns="91425" bIns="91425" anchor="t" anchorCtr="0">
-            <a:noAutofit/>
-          </a:bodyPr>
-          <a:lstStyle/>
-          <a:p>
-            <a:pPr marL="0" lvl="0" indent="0" algn="l" rtl="0">
-              <a:spcBef>
-                <a:spcPts val="0"/>
-              </a:spcBef>
-              <a:spcAft>
-                <a:spcPts val="0"/>
-              </a:spcAft>
-              <a:buNone/>
-            </a:pPr>
-            <a:endParaRPr/>
-          </a:p>
-        </p:txBody>
-      </p:sp>
-    </p:spTree>
-  </p:cSld>
-  <p:clrMapOvr>
-    <a:masterClrMapping/>
-  </p:clrMapOvr>
-</p:notes>
-</file>
-
-<file path=ppt/notesSlides/notesSlide9.xml><?xml version="1.0" encoding="utf-8"?>
-<p:notes xmlns:a="http://schemas.openxmlformats.org/drawingml/2006/main" xmlns:r="http://schemas.openxmlformats.org/officeDocument/2006/relationships" xmlns:p="http://schemas.openxmlformats.org/presentationml/2006/main" showMasterSp="0" showMasterPhAnim="0">
-  <p:cSld>
-    <p:spTree>
-      <p:nvGrpSpPr>
-        <p:cNvPr id="1" name="Shape 531"/>
-        <p:cNvGrpSpPr/>
-        <p:nvPr/>
-      </p:nvGrpSpPr>
-      <p:grpSpPr>
-        <a:xfrm>
-          <a:off x="0" y="0"/>
-          <a:ext cx="0" cy="0"/>
-          <a:chOff x="0" y="0"/>
-          <a:chExt cx="0" cy="0"/>
-        </a:xfrm>
-      </p:grpSpPr>
-      <p:sp>
-        <p:nvSpPr>
-          <p:cNvPr id="532" name="Google Shape;532;gafead7cb4c_2_6:notes"/>
-          <p:cNvSpPr>
-            <a:spLocks noGrp="1" noRot="1" noChangeAspect="1"/>
-          </p:cNvSpPr>
-          <p:nvPr>
-            <p:ph type="sldImg" idx="2"/>
-          </p:nvPr>
-        </p:nvSpPr>
-        <p:spPr>
-          <a:xfrm>
-            <a:off x="381000" y="685800"/>
-            <a:ext cx="6096000" cy="3429000"/>
-          </a:xfrm>
-          <a:custGeom>
-            <a:avLst/>
-            <a:gdLst/>
-            <a:ahLst/>
-            <a:cxnLst/>
-            <a:rect l="l" t="t" r="r" b="b"/>
-            <a:pathLst>
-              <a:path w="120000" h="120000" extrusionOk="0">
-                <a:moveTo>
-                  <a:pt x="0" y="0"/>
-                </a:moveTo>
-                <a:lnTo>
-                  <a:pt x="120000" y="0"/>
-                </a:lnTo>
-                <a:lnTo>
-                  <a:pt x="120000" y="120000"/>
-                </a:lnTo>
-                <a:lnTo>
-                  <a:pt x="0" y="120000"/>
-                </a:lnTo>
-                <a:close/>
-              </a:path>
-            </a:pathLst>
-          </a:custGeom>
-        </p:spPr>
-      </p:sp>
-      <p:sp>
-        <p:nvSpPr>
-          <p:cNvPr id="533" name="Google Shape;533;gafead7cb4c_2_6:notes"/>
           <p:cNvSpPr txBox="1">
             <a:spLocks noGrp="1"/>
           </p:cNvSpPr>
@@ -30396,10 +30780,888 @@
   <p:cSld>
     <p:spTree>
       <p:nvGrpSpPr>
+        <p:cNvPr id="1" name="Shape 534"/>
+        <p:cNvGrpSpPr/>
+        <p:nvPr/>
+      </p:nvGrpSpPr>
+      <p:grpSpPr>
+        <a:xfrm>
+          <a:off x="0" y="0"/>
+          <a:ext cx="0" cy="0"/>
+          <a:chOff x="0" y="0"/>
+          <a:chExt cx="0" cy="0"/>
+        </a:xfrm>
+      </p:grpSpPr>
+      <p:sp>
+        <p:nvSpPr>
+          <p:cNvPr id="535" name="Google Shape;535;p43"/>
+          <p:cNvSpPr txBox="1">
+            <a:spLocks noGrp="1"/>
+          </p:cNvSpPr>
+          <p:nvPr>
+            <p:ph type="title"/>
+          </p:nvPr>
+        </p:nvSpPr>
+        <p:spPr>
+          <a:xfrm>
+            <a:off x="713225" y="1036450"/>
+            <a:ext cx="3971418" cy="891900"/>
+          </a:xfrm>
+          <a:prstGeom prst="rect">
+            <a:avLst/>
+          </a:prstGeom>
+        </p:spPr>
+        <p:txBody>
+          <a:bodyPr spcFirstLastPara="1" wrap="square" lIns="91425" tIns="91425" rIns="91425" bIns="91425" anchor="ctr" anchorCtr="0">
+            <a:noAutofit/>
+          </a:bodyPr>
+          <a:lstStyle/>
+          <a:p>
+            <a:pPr marL="0" lvl="0" indent="0" algn="l" rtl="0">
+              <a:spcBef>
+                <a:spcPts val="0"/>
+              </a:spcBef>
+              <a:spcAft>
+                <a:spcPts val="0"/>
+              </a:spcAft>
+              <a:buNone/>
+            </a:pPr>
+            <a:r>
+              <a:rPr lang="en" dirty="0"/>
+              <a:t>success metrics</a:t>
+            </a:r>
+            <a:endParaRPr dirty="0"/>
+          </a:p>
+        </p:txBody>
+      </p:sp>
+      <p:sp>
+        <p:nvSpPr>
+          <p:cNvPr id="536" name="Google Shape;536;p43"/>
+          <p:cNvSpPr txBox="1">
+            <a:spLocks noGrp="1"/>
+          </p:cNvSpPr>
+          <p:nvPr>
+            <p:ph type="subTitle" idx="1"/>
+          </p:nvPr>
+        </p:nvSpPr>
+        <p:spPr>
+          <a:xfrm>
+            <a:off x="713224" y="1928450"/>
+            <a:ext cx="3535189" cy="2178600"/>
+          </a:xfrm>
+          <a:prstGeom prst="rect">
+            <a:avLst/>
+          </a:prstGeom>
+        </p:spPr>
+        <p:txBody>
+          <a:bodyPr spcFirstLastPara="1" wrap="square" lIns="91425" tIns="91425" rIns="91425" bIns="91425" anchor="t" anchorCtr="0">
+            <a:noAutofit/>
+          </a:bodyPr>
+          <a:lstStyle/>
+          <a:p>
+            <a:pPr algn="l">
+              <a:buFont typeface="Arial" panose="020B0604020202020204" pitchFamily="34" charset="0"/>
+              <a:buChar char="•"/>
+            </a:pPr>
+            <a:r>
+              <a:rPr lang="en-AU" b="0" i="0" dirty="0">
+                <a:effectLst/>
+                <a:latin typeface="Lato" panose="020F0502020204030203" pitchFamily="34" charset="0"/>
+                <a:ea typeface="Lato" panose="020F0502020204030203" pitchFamily="34" charset="0"/>
+                <a:cs typeface="Lato" panose="020F0502020204030203" pitchFamily="34" charset="0"/>
+              </a:rPr>
+              <a:t>Model performance RMSE &lt; $350 and MAPE &lt; 20%.</a:t>
+            </a:r>
+          </a:p>
+          <a:p>
+            <a:pPr algn="l">
+              <a:buFont typeface="Arial" panose="020B0604020202020204" pitchFamily="34" charset="0"/>
+              <a:buChar char="•"/>
+            </a:pPr>
+            <a:r>
+              <a:rPr lang="en-AU" b="0" i="0" dirty="0">
+                <a:effectLst/>
+                <a:latin typeface="Lato" panose="020F0502020204030203" pitchFamily="34" charset="0"/>
+                <a:ea typeface="Lato" panose="020F0502020204030203" pitchFamily="34" charset="0"/>
+                <a:cs typeface="Lato" panose="020F0502020204030203" pitchFamily="34" charset="0"/>
+              </a:rPr>
+              <a:t>Identify top 4 most influential pricing factors.</a:t>
+            </a:r>
+          </a:p>
+          <a:p>
+            <a:pPr algn="l">
+              <a:buFont typeface="Arial" panose="020B0604020202020204" pitchFamily="34" charset="0"/>
+              <a:buChar char="•"/>
+            </a:pPr>
+            <a:r>
+              <a:rPr lang="en-AU" b="0" i="0" dirty="0">
+                <a:effectLst/>
+                <a:latin typeface="Lato" panose="020F0502020204030203" pitchFamily="34" charset="0"/>
+                <a:ea typeface="Lato" panose="020F0502020204030203" pitchFamily="34" charset="0"/>
+                <a:cs typeface="Lato" panose="020F0502020204030203" pitchFamily="34" charset="0"/>
+              </a:rPr>
+              <a:t>Deploy model for real-time price estimation.</a:t>
+            </a:r>
+          </a:p>
+        </p:txBody>
+      </p:sp>
+      <p:grpSp>
+        <p:nvGrpSpPr>
+          <p:cNvPr id="537" name="Google Shape;537;p43"/>
+          <p:cNvGrpSpPr/>
+          <p:nvPr/>
+        </p:nvGrpSpPr>
+        <p:grpSpPr>
+          <a:xfrm>
+            <a:off x="4315012" y="925500"/>
+            <a:ext cx="4828988" cy="4217991"/>
+            <a:chOff x="4315012" y="925500"/>
+            <a:chExt cx="4828988" cy="4217991"/>
+          </a:xfrm>
+        </p:grpSpPr>
+        <p:sp>
+          <p:nvSpPr>
+            <p:cNvPr id="538" name="Google Shape;538;p43"/>
+            <p:cNvSpPr/>
+            <p:nvPr/>
+          </p:nvSpPr>
+          <p:spPr>
+            <a:xfrm>
+              <a:off x="4840714" y="1256475"/>
+              <a:ext cx="2820600" cy="2820600"/>
+            </a:xfrm>
+            <a:prstGeom prst="ellipse">
+              <a:avLst/>
+            </a:prstGeom>
+            <a:solidFill>
+              <a:schemeClr val="accent1"/>
+            </a:solidFill>
+            <a:ln w="9525" cap="flat" cmpd="sng">
+              <a:solidFill>
+                <a:schemeClr val="accent1"/>
+              </a:solidFill>
+              <a:prstDash val="solid"/>
+              <a:round/>
+              <a:headEnd type="none" w="sm" len="sm"/>
+              <a:tailEnd type="none" w="sm" len="sm"/>
+            </a:ln>
+          </p:spPr>
+          <p:txBody>
+            <a:bodyPr spcFirstLastPara="1" wrap="square" lIns="91425" tIns="91425" rIns="91425" bIns="91425" anchor="ctr" anchorCtr="0">
+              <a:noAutofit/>
+            </a:bodyPr>
+            <a:lstStyle/>
+            <a:p>
+              <a:pPr marL="0" lvl="0" indent="0" algn="l" rtl="0">
+                <a:spcBef>
+                  <a:spcPts val="0"/>
+                </a:spcBef>
+                <a:spcAft>
+                  <a:spcPts val="0"/>
+                </a:spcAft>
+                <a:buNone/>
+              </a:pPr>
+              <a:endParaRPr/>
+            </a:p>
+          </p:txBody>
+        </p:sp>
+        <p:sp>
+          <p:nvSpPr>
+            <p:cNvPr id="539" name="Google Shape;539;p43"/>
+            <p:cNvSpPr/>
+            <p:nvPr/>
+          </p:nvSpPr>
+          <p:spPr>
+            <a:xfrm>
+              <a:off x="4315012" y="3014036"/>
+              <a:ext cx="2278800" cy="2129400"/>
+            </a:xfrm>
+            <a:prstGeom prst="rect">
+              <a:avLst/>
+            </a:prstGeom>
+            <a:solidFill>
+              <a:schemeClr val="lt1"/>
+            </a:solidFill>
+            <a:ln w="9525" cap="flat" cmpd="sng">
+              <a:solidFill>
+                <a:schemeClr val="lt1"/>
+              </a:solidFill>
+              <a:prstDash val="solid"/>
+              <a:round/>
+              <a:headEnd type="none" w="sm" len="sm"/>
+              <a:tailEnd type="none" w="sm" len="sm"/>
+            </a:ln>
+          </p:spPr>
+          <p:txBody>
+            <a:bodyPr spcFirstLastPara="1" wrap="square" lIns="91425" tIns="91425" rIns="91425" bIns="91425" anchor="ctr" anchorCtr="0">
+              <a:noAutofit/>
+            </a:bodyPr>
+            <a:lstStyle/>
+            <a:p>
+              <a:pPr marL="0" lvl="0" indent="0" algn="l" rtl="0">
+                <a:spcBef>
+                  <a:spcPts val="0"/>
+                </a:spcBef>
+                <a:spcAft>
+                  <a:spcPts val="0"/>
+                </a:spcAft>
+                <a:buNone/>
+              </a:pPr>
+              <a:endParaRPr/>
+            </a:p>
+          </p:txBody>
+        </p:sp>
+        <p:sp>
+          <p:nvSpPr>
+            <p:cNvPr id="540" name="Google Shape;540;p43"/>
+            <p:cNvSpPr/>
+            <p:nvPr/>
+          </p:nvSpPr>
+          <p:spPr>
+            <a:xfrm flipH="1">
+              <a:off x="7282990" y="925500"/>
+              <a:ext cx="1171836" cy="4217982"/>
+            </a:xfrm>
+            <a:custGeom>
+              <a:avLst/>
+              <a:gdLst/>
+              <a:ahLst/>
+              <a:cxnLst/>
+              <a:rect l="l" t="t" r="r" b="b"/>
+              <a:pathLst>
+                <a:path w="5271" h="18973" extrusionOk="0">
+                  <a:moveTo>
+                    <a:pt x="1" y="1"/>
+                  </a:moveTo>
+                  <a:lnTo>
+                    <a:pt x="1" y="18973"/>
+                  </a:lnTo>
+                  <a:lnTo>
+                    <a:pt x="5270" y="18973"/>
+                  </a:lnTo>
+                  <a:lnTo>
+                    <a:pt x="5270" y="2213"/>
+                  </a:lnTo>
+                  <a:lnTo>
+                    <a:pt x="1" y="1"/>
+                  </a:lnTo>
+                  <a:close/>
+                </a:path>
+              </a:pathLst>
+            </a:custGeom>
+            <a:solidFill>
+              <a:schemeClr val="accent3"/>
+            </a:solidFill>
+            <a:ln>
+              <a:noFill/>
+            </a:ln>
+          </p:spPr>
+          <p:txBody>
+            <a:bodyPr spcFirstLastPara="1" wrap="square" lIns="91425" tIns="91425" rIns="91425" bIns="91425" anchor="ctr" anchorCtr="0">
+              <a:noAutofit/>
+            </a:bodyPr>
+            <a:lstStyle/>
+            <a:p>
+              <a:pPr marL="0" lvl="0" indent="0" algn="l" rtl="0">
+                <a:spcBef>
+                  <a:spcPts val="0"/>
+                </a:spcBef>
+                <a:spcAft>
+                  <a:spcPts val="0"/>
+                </a:spcAft>
+                <a:buNone/>
+              </a:pPr>
+              <a:endParaRPr/>
+            </a:p>
+          </p:txBody>
+        </p:sp>
+        <p:sp>
+          <p:nvSpPr>
+            <p:cNvPr id="541" name="Google Shape;541;p43"/>
+            <p:cNvSpPr/>
+            <p:nvPr/>
+          </p:nvSpPr>
+          <p:spPr>
+            <a:xfrm flipH="1">
+              <a:off x="7943721" y="1427263"/>
+              <a:ext cx="228320" cy="444185"/>
+            </a:xfrm>
+            <a:custGeom>
+              <a:avLst/>
+              <a:gdLst/>
+              <a:ahLst/>
+              <a:cxnLst/>
+              <a:rect l="l" t="t" r="r" b="b"/>
+              <a:pathLst>
+                <a:path w="1027" h="1998" extrusionOk="0">
+                  <a:moveTo>
+                    <a:pt x="351" y="1"/>
+                  </a:moveTo>
+                  <a:cubicBezTo>
+                    <a:pt x="257" y="1"/>
+                    <a:pt x="164" y="38"/>
+                    <a:pt x="97" y="106"/>
+                  </a:cubicBezTo>
+                  <a:cubicBezTo>
+                    <a:pt x="33" y="170"/>
+                    <a:pt x="1" y="255"/>
+                    <a:pt x="11" y="352"/>
+                  </a:cubicBezTo>
+                  <a:lnTo>
+                    <a:pt x="11" y="1602"/>
+                  </a:lnTo>
+                  <a:lnTo>
+                    <a:pt x="1027" y="1998"/>
+                  </a:lnTo>
+                  <a:lnTo>
+                    <a:pt x="1027" y="747"/>
+                  </a:lnTo>
+                  <a:cubicBezTo>
+                    <a:pt x="1016" y="587"/>
+                    <a:pt x="962" y="448"/>
+                    <a:pt x="877" y="330"/>
+                  </a:cubicBezTo>
+                  <a:cubicBezTo>
+                    <a:pt x="845" y="298"/>
+                    <a:pt x="824" y="255"/>
+                    <a:pt x="791" y="234"/>
+                  </a:cubicBezTo>
+                  <a:cubicBezTo>
+                    <a:pt x="717" y="149"/>
+                    <a:pt x="620" y="84"/>
+                    <a:pt x="514" y="42"/>
+                  </a:cubicBezTo>
+                  <a:cubicBezTo>
+                    <a:pt x="462" y="14"/>
+                    <a:pt x="406" y="1"/>
+                    <a:pt x="351" y="1"/>
+                  </a:cubicBezTo>
+                  <a:close/>
+                </a:path>
+              </a:pathLst>
+            </a:custGeom>
+            <a:solidFill>
+              <a:schemeClr val="accent4"/>
+            </a:solidFill>
+            <a:ln>
+              <a:noFill/>
+            </a:ln>
+          </p:spPr>
+          <p:txBody>
+            <a:bodyPr spcFirstLastPara="1" wrap="square" lIns="91425" tIns="91425" rIns="91425" bIns="91425" anchor="ctr" anchorCtr="0">
+              <a:noAutofit/>
+            </a:bodyPr>
+            <a:lstStyle/>
+            <a:p>
+              <a:pPr marL="0" lvl="0" indent="0" algn="l" rtl="0">
+                <a:spcBef>
+                  <a:spcPts val="0"/>
+                </a:spcBef>
+                <a:spcAft>
+                  <a:spcPts val="0"/>
+                </a:spcAft>
+                <a:buNone/>
+              </a:pPr>
+              <a:endParaRPr/>
+            </a:p>
+          </p:txBody>
+        </p:sp>
+        <p:sp>
+          <p:nvSpPr>
+            <p:cNvPr id="542" name="Google Shape;542;p43"/>
+            <p:cNvSpPr/>
+            <p:nvPr/>
+          </p:nvSpPr>
+          <p:spPr>
+            <a:xfrm flipH="1">
+              <a:off x="7480418" y="1605559"/>
+              <a:ext cx="225875" cy="446409"/>
+            </a:xfrm>
+            <a:custGeom>
+              <a:avLst/>
+              <a:gdLst/>
+              <a:ahLst/>
+              <a:cxnLst/>
+              <a:rect l="l" t="t" r="r" b="b"/>
+              <a:pathLst>
+                <a:path w="1016" h="2008" extrusionOk="0">
+                  <a:moveTo>
+                    <a:pt x="350" y="1"/>
+                  </a:moveTo>
+                  <a:cubicBezTo>
+                    <a:pt x="255" y="1"/>
+                    <a:pt x="160" y="38"/>
+                    <a:pt x="86" y="105"/>
+                  </a:cubicBezTo>
+                  <a:cubicBezTo>
+                    <a:pt x="33" y="170"/>
+                    <a:pt x="0" y="255"/>
+                    <a:pt x="0" y="351"/>
+                  </a:cubicBezTo>
+                  <a:lnTo>
+                    <a:pt x="0" y="1602"/>
+                  </a:lnTo>
+                  <a:lnTo>
+                    <a:pt x="1016" y="2008"/>
+                  </a:lnTo>
+                  <a:lnTo>
+                    <a:pt x="1016" y="757"/>
+                  </a:lnTo>
+                  <a:cubicBezTo>
+                    <a:pt x="1016" y="597"/>
+                    <a:pt x="962" y="447"/>
+                    <a:pt x="866" y="330"/>
+                  </a:cubicBezTo>
+                  <a:cubicBezTo>
+                    <a:pt x="845" y="298"/>
+                    <a:pt x="813" y="266"/>
+                    <a:pt x="791" y="234"/>
+                  </a:cubicBezTo>
+                  <a:cubicBezTo>
+                    <a:pt x="706" y="148"/>
+                    <a:pt x="620" y="84"/>
+                    <a:pt x="514" y="41"/>
+                  </a:cubicBezTo>
+                  <a:cubicBezTo>
+                    <a:pt x="462" y="14"/>
+                    <a:pt x="406" y="1"/>
+                    <a:pt x="350" y="1"/>
+                  </a:cubicBezTo>
+                  <a:close/>
+                </a:path>
+              </a:pathLst>
+            </a:custGeom>
+            <a:solidFill>
+              <a:schemeClr val="accent4"/>
+            </a:solidFill>
+            <a:ln>
+              <a:noFill/>
+            </a:ln>
+          </p:spPr>
+          <p:txBody>
+            <a:bodyPr spcFirstLastPara="1" wrap="square" lIns="91425" tIns="91425" rIns="91425" bIns="91425" anchor="ctr" anchorCtr="0">
+              <a:noAutofit/>
+            </a:bodyPr>
+            <a:lstStyle/>
+            <a:p>
+              <a:pPr marL="0" lvl="0" indent="0" algn="l" rtl="0">
+                <a:spcBef>
+                  <a:spcPts val="0"/>
+                </a:spcBef>
+                <a:spcAft>
+                  <a:spcPts val="0"/>
+                </a:spcAft>
+                <a:buNone/>
+              </a:pPr>
+              <a:endParaRPr/>
+            </a:p>
+          </p:txBody>
+        </p:sp>
+        <p:sp>
+          <p:nvSpPr>
+            <p:cNvPr id="543" name="Google Shape;543;p43"/>
+            <p:cNvSpPr/>
+            <p:nvPr/>
+          </p:nvSpPr>
+          <p:spPr>
+            <a:xfrm flipH="1">
+              <a:off x="7943721" y="2878529"/>
+              <a:ext cx="228320" cy="447298"/>
+            </a:xfrm>
+            <a:custGeom>
+              <a:avLst/>
+              <a:gdLst/>
+              <a:ahLst/>
+              <a:cxnLst/>
+              <a:rect l="l" t="t" r="r" b="b"/>
+              <a:pathLst>
+                <a:path w="1027" h="2012" extrusionOk="0">
+                  <a:moveTo>
+                    <a:pt x="343" y="1"/>
+                  </a:moveTo>
+                  <a:cubicBezTo>
+                    <a:pt x="251" y="1"/>
+                    <a:pt x="162" y="37"/>
+                    <a:pt x="97" y="109"/>
+                  </a:cubicBezTo>
+                  <a:cubicBezTo>
+                    <a:pt x="33" y="173"/>
+                    <a:pt x="1" y="258"/>
+                    <a:pt x="11" y="354"/>
+                  </a:cubicBezTo>
+                  <a:lnTo>
+                    <a:pt x="11" y="1605"/>
+                  </a:lnTo>
+                  <a:lnTo>
+                    <a:pt x="1027" y="2011"/>
+                  </a:lnTo>
+                  <a:lnTo>
+                    <a:pt x="1027" y="750"/>
+                  </a:lnTo>
+                  <a:cubicBezTo>
+                    <a:pt x="1016" y="600"/>
+                    <a:pt x="962" y="451"/>
+                    <a:pt x="877" y="333"/>
+                  </a:cubicBezTo>
+                  <a:cubicBezTo>
+                    <a:pt x="845" y="290"/>
+                    <a:pt x="824" y="258"/>
+                    <a:pt x="791" y="226"/>
+                  </a:cubicBezTo>
+                  <a:cubicBezTo>
+                    <a:pt x="717" y="151"/>
+                    <a:pt x="620" y="87"/>
+                    <a:pt x="514" y="44"/>
+                  </a:cubicBezTo>
+                  <a:cubicBezTo>
+                    <a:pt x="460" y="15"/>
+                    <a:pt x="401" y="1"/>
+                    <a:pt x="343" y="1"/>
+                  </a:cubicBezTo>
+                  <a:close/>
+                </a:path>
+              </a:pathLst>
+            </a:custGeom>
+            <a:solidFill>
+              <a:schemeClr val="accent4"/>
+            </a:solidFill>
+            <a:ln>
+              <a:noFill/>
+            </a:ln>
+          </p:spPr>
+          <p:txBody>
+            <a:bodyPr spcFirstLastPara="1" wrap="square" lIns="91425" tIns="91425" rIns="91425" bIns="91425" anchor="ctr" anchorCtr="0">
+              <a:noAutofit/>
+            </a:bodyPr>
+            <a:lstStyle/>
+            <a:p>
+              <a:pPr marL="0" lvl="0" indent="0" algn="l" rtl="0">
+                <a:spcBef>
+                  <a:spcPts val="0"/>
+                </a:spcBef>
+                <a:spcAft>
+                  <a:spcPts val="0"/>
+                </a:spcAft>
+                <a:buNone/>
+              </a:pPr>
+              <a:endParaRPr/>
+            </a:p>
+          </p:txBody>
+        </p:sp>
+        <p:sp>
+          <p:nvSpPr>
+            <p:cNvPr id="544" name="Google Shape;544;p43"/>
+            <p:cNvSpPr/>
+            <p:nvPr/>
+          </p:nvSpPr>
+          <p:spPr>
+            <a:xfrm flipH="1">
+              <a:off x="7480418" y="3786905"/>
+              <a:ext cx="225875" cy="446631"/>
+            </a:xfrm>
+            <a:custGeom>
+              <a:avLst/>
+              <a:gdLst/>
+              <a:ahLst/>
+              <a:cxnLst/>
+              <a:rect l="l" t="t" r="r" b="b"/>
+              <a:pathLst>
+                <a:path w="1016" h="2009" extrusionOk="0">
+                  <a:moveTo>
+                    <a:pt x="350" y="1"/>
+                  </a:moveTo>
+                  <a:cubicBezTo>
+                    <a:pt x="255" y="1"/>
+                    <a:pt x="160" y="38"/>
+                    <a:pt x="86" y="106"/>
+                  </a:cubicBezTo>
+                  <a:cubicBezTo>
+                    <a:pt x="33" y="170"/>
+                    <a:pt x="0" y="266"/>
+                    <a:pt x="0" y="351"/>
+                  </a:cubicBezTo>
+                  <a:lnTo>
+                    <a:pt x="0" y="1613"/>
+                  </a:lnTo>
+                  <a:lnTo>
+                    <a:pt x="1016" y="2008"/>
+                  </a:lnTo>
+                  <a:lnTo>
+                    <a:pt x="1016" y="747"/>
+                  </a:lnTo>
+                  <a:cubicBezTo>
+                    <a:pt x="1016" y="597"/>
+                    <a:pt x="962" y="448"/>
+                    <a:pt x="866" y="330"/>
+                  </a:cubicBezTo>
+                  <a:cubicBezTo>
+                    <a:pt x="845" y="298"/>
+                    <a:pt x="813" y="266"/>
+                    <a:pt x="791" y="234"/>
+                  </a:cubicBezTo>
+                  <a:cubicBezTo>
+                    <a:pt x="706" y="148"/>
+                    <a:pt x="620" y="84"/>
+                    <a:pt x="514" y="41"/>
+                  </a:cubicBezTo>
+                  <a:cubicBezTo>
+                    <a:pt x="462" y="14"/>
+                    <a:pt x="406" y="1"/>
+                    <a:pt x="350" y="1"/>
+                  </a:cubicBezTo>
+                  <a:close/>
+                </a:path>
+              </a:pathLst>
+            </a:custGeom>
+            <a:solidFill>
+              <a:schemeClr val="accent4"/>
+            </a:solidFill>
+            <a:ln>
+              <a:noFill/>
+            </a:ln>
+          </p:spPr>
+          <p:txBody>
+            <a:bodyPr spcFirstLastPara="1" wrap="square" lIns="91425" tIns="91425" rIns="91425" bIns="91425" anchor="ctr" anchorCtr="0">
+              <a:noAutofit/>
+            </a:bodyPr>
+            <a:lstStyle/>
+            <a:p>
+              <a:pPr marL="0" lvl="0" indent="0" algn="l" rtl="0">
+                <a:spcBef>
+                  <a:spcPts val="0"/>
+                </a:spcBef>
+                <a:spcAft>
+                  <a:spcPts val="0"/>
+                </a:spcAft>
+                <a:buNone/>
+              </a:pPr>
+              <a:endParaRPr/>
+            </a:p>
+          </p:txBody>
+        </p:sp>
+        <p:sp>
+          <p:nvSpPr>
+            <p:cNvPr id="545" name="Google Shape;545;p43"/>
+            <p:cNvSpPr/>
+            <p:nvPr/>
+          </p:nvSpPr>
+          <p:spPr>
+            <a:xfrm flipH="1">
+              <a:off x="8454593" y="932614"/>
+              <a:ext cx="689407" cy="4210868"/>
+            </a:xfrm>
+            <a:custGeom>
+              <a:avLst/>
+              <a:gdLst/>
+              <a:ahLst/>
+              <a:cxnLst/>
+              <a:rect l="l" t="t" r="r" b="b"/>
+              <a:pathLst>
+                <a:path w="3101" h="18941" extrusionOk="0">
+                  <a:moveTo>
+                    <a:pt x="3101" y="1"/>
+                  </a:moveTo>
+                  <a:lnTo>
+                    <a:pt x="1" y="2983"/>
+                  </a:lnTo>
+                  <a:lnTo>
+                    <a:pt x="1" y="18941"/>
+                  </a:lnTo>
+                  <a:lnTo>
+                    <a:pt x="3101" y="18941"/>
+                  </a:lnTo>
+                  <a:lnTo>
+                    <a:pt x="3101" y="1"/>
+                  </a:lnTo>
+                  <a:close/>
+                </a:path>
+              </a:pathLst>
+            </a:custGeom>
+            <a:solidFill>
+              <a:schemeClr val="dk2"/>
+            </a:solidFill>
+            <a:ln>
+              <a:noFill/>
+            </a:ln>
+          </p:spPr>
+          <p:txBody>
+            <a:bodyPr spcFirstLastPara="1" wrap="square" lIns="91425" tIns="91425" rIns="91425" bIns="91425" anchor="ctr" anchorCtr="0">
+              <a:noAutofit/>
+            </a:bodyPr>
+            <a:lstStyle/>
+            <a:p>
+              <a:pPr marL="0" lvl="0" indent="0" algn="l" rtl="0">
+                <a:spcBef>
+                  <a:spcPts val="0"/>
+                </a:spcBef>
+                <a:spcAft>
+                  <a:spcPts val="0"/>
+                </a:spcAft>
+                <a:buNone/>
+              </a:pPr>
+              <a:endParaRPr/>
+            </a:p>
+          </p:txBody>
+        </p:sp>
+        <p:sp>
+          <p:nvSpPr>
+            <p:cNvPr id="546" name="Google Shape;546;p43"/>
+            <p:cNvSpPr/>
+            <p:nvPr/>
+          </p:nvSpPr>
+          <p:spPr>
+            <a:xfrm flipH="1">
+              <a:off x="6593833" y="3014156"/>
+              <a:ext cx="689184" cy="2129333"/>
+            </a:xfrm>
+            <a:custGeom>
+              <a:avLst/>
+              <a:gdLst/>
+              <a:ahLst/>
+              <a:cxnLst/>
+              <a:rect l="l" t="t" r="r" b="b"/>
+              <a:pathLst>
+                <a:path w="3100" h="9578" extrusionOk="0">
+                  <a:moveTo>
+                    <a:pt x="3100" y="0"/>
+                  </a:moveTo>
+                  <a:lnTo>
+                    <a:pt x="0" y="2982"/>
+                  </a:lnTo>
+                  <a:lnTo>
+                    <a:pt x="0" y="9577"/>
+                  </a:lnTo>
+                  <a:lnTo>
+                    <a:pt x="3100" y="9577"/>
+                  </a:lnTo>
+                  <a:lnTo>
+                    <a:pt x="3100" y="0"/>
+                  </a:lnTo>
+                  <a:close/>
+                </a:path>
+              </a:pathLst>
+            </a:custGeom>
+            <a:solidFill>
+              <a:schemeClr val="accent2"/>
+            </a:solidFill>
+            <a:ln w="9525" cap="flat" cmpd="sng">
+              <a:solidFill>
+                <a:schemeClr val="accent2"/>
+              </a:solidFill>
+              <a:prstDash val="solid"/>
+              <a:round/>
+              <a:headEnd type="none" w="sm" len="sm"/>
+              <a:tailEnd type="none" w="sm" len="sm"/>
+            </a:ln>
+          </p:spPr>
+          <p:txBody>
+            <a:bodyPr spcFirstLastPara="1" wrap="square" lIns="91425" tIns="91425" rIns="91425" bIns="91425" anchor="ctr" anchorCtr="0">
+              <a:noAutofit/>
+            </a:bodyPr>
+            <a:lstStyle/>
+            <a:p>
+              <a:pPr marL="0" lvl="0" indent="0" algn="l" rtl="0">
+                <a:spcBef>
+                  <a:spcPts val="0"/>
+                </a:spcBef>
+                <a:spcAft>
+                  <a:spcPts val="0"/>
+                </a:spcAft>
+                <a:buNone/>
+              </a:pPr>
+              <a:endParaRPr/>
+            </a:p>
+          </p:txBody>
+        </p:sp>
+        <p:sp>
+          <p:nvSpPr>
+            <p:cNvPr id="547" name="Google Shape;547;p43"/>
+            <p:cNvSpPr/>
+            <p:nvPr/>
+          </p:nvSpPr>
+          <p:spPr>
+            <a:xfrm flipH="1">
+              <a:off x="4937588" y="3708003"/>
+              <a:ext cx="827021" cy="1435488"/>
+            </a:xfrm>
+            <a:custGeom>
+              <a:avLst/>
+              <a:gdLst/>
+              <a:ahLst/>
+              <a:cxnLst/>
+              <a:rect l="l" t="t" r="r" b="b"/>
+              <a:pathLst>
+                <a:path w="3720" h="6457" extrusionOk="0">
+                  <a:moveTo>
+                    <a:pt x="1860" y="0"/>
+                  </a:moveTo>
+                  <a:cubicBezTo>
+                    <a:pt x="834" y="0"/>
+                    <a:pt x="0" y="834"/>
+                    <a:pt x="0" y="1860"/>
+                  </a:cubicBezTo>
+                  <a:lnTo>
+                    <a:pt x="0" y="6456"/>
+                  </a:lnTo>
+                  <a:lnTo>
+                    <a:pt x="3720" y="6456"/>
+                  </a:lnTo>
+                  <a:lnTo>
+                    <a:pt x="3720" y="1860"/>
+                  </a:lnTo>
+                  <a:cubicBezTo>
+                    <a:pt x="3720" y="834"/>
+                    <a:pt x="2886" y="0"/>
+                    <a:pt x="1860" y="0"/>
+                  </a:cubicBezTo>
+                  <a:close/>
+                </a:path>
+              </a:pathLst>
+            </a:custGeom>
+            <a:solidFill>
+              <a:schemeClr val="accent4"/>
+            </a:solidFill>
+            <a:ln>
+              <a:noFill/>
+            </a:ln>
+          </p:spPr>
+          <p:txBody>
+            <a:bodyPr spcFirstLastPara="1" wrap="square" lIns="91425" tIns="91425" rIns="91425" bIns="91425" anchor="ctr" anchorCtr="0">
+              <a:noAutofit/>
+            </a:bodyPr>
+            <a:lstStyle/>
+            <a:p>
+              <a:pPr marL="0" lvl="0" indent="0" algn="l" rtl="0">
+                <a:spcBef>
+                  <a:spcPts val="0"/>
+                </a:spcBef>
+                <a:spcAft>
+                  <a:spcPts val="0"/>
+                </a:spcAft>
+                <a:buNone/>
+              </a:pPr>
+              <a:endParaRPr/>
+            </a:p>
+          </p:txBody>
+        </p:sp>
+      </p:grpSp>
+    </p:spTree>
+  </p:cSld>
+  <p:clrMapOvr>
+    <a:masterClrMapping/>
+  </p:clrMapOvr>
+</p:sld>
+</file>
+
+<file path=ppt/slides/slide11.xml><?xml version="1.0" encoding="utf-8"?>
+<p:sld xmlns:a="http://schemas.openxmlformats.org/drawingml/2006/main" xmlns:r="http://schemas.openxmlformats.org/officeDocument/2006/relationships" xmlns:p="http://schemas.openxmlformats.org/presentationml/2006/main">
+  <p:cSld>
+    <p:spTree>
+      <p:nvGrpSpPr>
         <p:cNvPr id="1" name="Shape 483">
           <a:extLst>
             <a:ext uri="{FF2B5EF4-FFF2-40B4-BE49-F238E27FC236}">
-              <a16:creationId xmlns:a16="http://schemas.microsoft.com/office/drawing/2014/main" id="{D050309B-361F-B1C7-14ED-64BE5563C8C6}"/>
+              <a16:creationId xmlns:a16="http://schemas.microsoft.com/office/drawing/2014/main" id="{F3504E22-A922-8E5A-2F17-DA0D15669D11}"/>
             </a:ext>
           </a:extLst>
         </p:cNvPr>
@@ -30419,7 +31681,7 @@
           <p:cNvPr id="484" name="Google Shape;484;p40">
             <a:extLst>
               <a:ext uri="{FF2B5EF4-FFF2-40B4-BE49-F238E27FC236}">
-                <a16:creationId xmlns:a16="http://schemas.microsoft.com/office/drawing/2014/main" id="{0EB63941-0496-00B1-1C0E-8156EBBA8334}"/>
+                <a16:creationId xmlns:a16="http://schemas.microsoft.com/office/drawing/2014/main" id="{F22D4BFF-E0E2-E1D9-F21E-EC12612B3969}"/>
               </a:ext>
             </a:extLst>
           </p:cNvPr>
@@ -30467,7 +31729,7 @@
           <p:cNvPr id="485" name="Google Shape;485;p40">
             <a:extLst>
               <a:ext uri="{FF2B5EF4-FFF2-40B4-BE49-F238E27FC236}">
-                <a16:creationId xmlns:a16="http://schemas.microsoft.com/office/drawing/2014/main" id="{58F3853A-CB95-116C-2E15-53A385DA6B39}"/>
+                <a16:creationId xmlns:a16="http://schemas.microsoft.com/office/drawing/2014/main" id="{FD15E856-3381-AFAE-74A7-5F4BC1C2A1FC}"/>
               </a:ext>
             </a:extLst>
           </p:cNvPr>
@@ -30513,7 +31775,7 @@
     </p:spTree>
     <p:extLst>
       <p:ext uri="{BB962C8B-B14F-4D97-AF65-F5344CB8AC3E}">
-        <p14:creationId xmlns:p14="http://schemas.microsoft.com/office/powerpoint/2010/main" val="1974842124"/>
+        <p14:creationId xmlns:p14="http://schemas.microsoft.com/office/powerpoint/2010/main" val="990360451"/>
       </p:ext>
     </p:extLst>
   </p:cSld>
@@ -30523,7 +31785,7 @@
 </p:sld>
 </file>
 
-<file path=ppt/slides/slide11.xml><?xml version="1.0" encoding="utf-8"?>
+<file path=ppt/slides/slide12.xml><?xml version="1.0" encoding="utf-8"?>
 <p:sld xmlns:a="http://schemas.openxmlformats.org/drawingml/2006/main" xmlns:r="http://schemas.openxmlformats.org/officeDocument/2006/relationships" xmlns:p="http://schemas.openxmlformats.org/presentationml/2006/main">
   <p:cSld>
     <p:spTree>
@@ -33408,7 +34670,7 @@
 </p:sld>
 </file>
 
-<file path=ppt/slides/slide12.xml><?xml version="1.0" encoding="utf-8"?>
+<file path=ppt/slides/slide13.xml><?xml version="1.0" encoding="utf-8"?>
 <p:sld xmlns:a="http://schemas.openxmlformats.org/drawingml/2006/main" xmlns:r="http://schemas.openxmlformats.org/officeDocument/2006/relationships" xmlns:p="http://schemas.openxmlformats.org/presentationml/2006/main">
   <p:cSld>
     <p:spTree>
@@ -34480,7 +35742,7 @@
 </p:sld>
 </file>
 
-<file path=ppt/slides/slide13.xml><?xml version="1.0" encoding="utf-8"?>
+<file path=ppt/slides/slide14.xml><?xml version="1.0" encoding="utf-8"?>
 <p:sld xmlns:a="http://schemas.openxmlformats.org/drawingml/2006/main" xmlns:r="http://schemas.openxmlformats.org/officeDocument/2006/relationships" xmlns:p="http://schemas.openxmlformats.org/presentationml/2006/main">
   <p:cSld>
     <p:spTree>
@@ -34533,7 +35795,7 @@
             </a:pPr>
             <a:r>
               <a:rPr lang="en" dirty="0"/>
-              <a:t>Data understanding</a:t>
+              <a:t>EXPLORATORY DATA ANALYSIS</a:t>
             </a:r>
             <a:endParaRPr dirty="0"/>
           </a:p>
@@ -34574,10 +35836,10 @@
               <a:buNone/>
             </a:pPr>
             <a:r>
-              <a:rPr lang="en"/>
-              <a:t>02</a:t>
+              <a:rPr lang="en" dirty="0"/>
+              <a:t>04</a:t>
             </a:r>
-            <a:endParaRPr/>
+            <a:endParaRPr dirty="0"/>
           </a:p>
         </p:txBody>
       </p:sp>
@@ -34589,7 +35851,7 @@
 </p:sld>
 </file>
 
-<file path=ppt/slides/slide14.xml><?xml version="1.0" encoding="utf-8"?>
+<file path=ppt/slides/slide15.xml><?xml version="1.0" encoding="utf-8"?>
 <p:sld xmlns:a="http://schemas.openxmlformats.org/drawingml/2006/main" xmlns:r="http://schemas.openxmlformats.org/officeDocument/2006/relationships" xmlns:p="http://schemas.openxmlformats.org/presentationml/2006/main">
   <p:cSld>
     <p:spTree>
@@ -34874,7 +36136,7 @@
 </p:sld>
 </file>
 
-<file path=ppt/slides/slide15.xml><?xml version="1.0" encoding="utf-8"?>
+<file path=ppt/slides/slide16.xml><?xml version="1.0" encoding="utf-8"?>
 <p:sld xmlns:a="http://schemas.openxmlformats.org/drawingml/2006/main" xmlns:r="http://schemas.openxmlformats.org/officeDocument/2006/relationships" xmlns:p="http://schemas.openxmlformats.org/presentationml/2006/main">
   <p:cSld>
     <p:spTree>
@@ -35277,7 +36539,7 @@
 </p:sld>
 </file>
 
-<file path=ppt/slides/slide16.xml><?xml version="1.0" encoding="utf-8"?>
+<file path=ppt/slides/slide17.xml><?xml version="1.0" encoding="utf-8"?>
 <p:sld xmlns:a="http://schemas.openxmlformats.org/drawingml/2006/main" xmlns:r="http://schemas.openxmlformats.org/officeDocument/2006/relationships" xmlns:p="http://schemas.openxmlformats.org/presentationml/2006/main">
   <p:cSld>
     <p:spTree>
@@ -35542,27 +36804,6 @@
               <a:buFont typeface="Arial" panose="020B0604020202020204" pitchFamily="34" charset="0"/>
               <a:buChar char="•"/>
             </a:pPr>
-            <a:r>
-              <a:rPr lang="en-AU" b="0" dirty="0">
-                <a:solidFill>
-                  <a:srgbClr val="000000"/>
-                </a:solidFill>
-                <a:effectLst/>
-                <a:latin typeface="Lato" panose="020F0502020204030203" pitchFamily="34" charset="0"/>
-                <a:ea typeface="Lato" panose="020F0502020204030203" pitchFamily="34" charset="0"/>
-                <a:cs typeface="Lato" panose="020F0502020204030203" pitchFamily="34" charset="0"/>
-              </a:rPr>
-              <a:t>The larger the property (in square feet), the higher the average rent price.</a:t>
-            </a:r>
-          </a:p>
-          <a:p>
-            <a:pPr marL="266700" indent="-252413" algn="just">
-              <a:lnSpc>
-                <a:spcPts val="1350"/>
-              </a:lnSpc>
-              <a:buFont typeface="Arial" panose="020B0604020202020204" pitchFamily="34" charset="0"/>
-              <a:buChar char="•"/>
-            </a:pPr>
             <a:endParaRPr lang="en-AU" b="0" dirty="0">
               <a:solidFill>
                 <a:srgbClr val="000000"/>
@@ -35574,24 +36815,41 @@
             </a:endParaRPr>
           </a:p>
           <a:p>
-            <a:pPr marL="285750" lvl="0" indent="-285750" algn="just" rtl="0">
-              <a:spcBef>
-                <a:spcPts val="0"/>
-              </a:spcBef>
-              <a:spcAft>
-                <a:spcPts val="0"/>
-              </a:spcAft>
+            <a:pPr marL="266700" indent="-252413" algn="just">
+              <a:lnSpc>
+                <a:spcPts val="1350"/>
+              </a:lnSpc>
               <a:buFont typeface="Arial" panose="020B0604020202020204" pitchFamily="34" charset="0"/>
               <a:buChar char="•"/>
             </a:pPr>
             <a:r>
-              <a:rPr lang="en-AU" dirty="0">
+              <a:rPr lang="en-AU" b="0" dirty="0">
+                <a:solidFill>
+                  <a:srgbClr val="000000"/>
+                </a:solidFill>
+                <a:effectLst/>
                 <a:latin typeface="Lato" panose="020F0502020204030203" pitchFamily="34" charset="0"/>
                 <a:ea typeface="Lato" panose="020F0502020204030203" pitchFamily="34" charset="0"/>
                 <a:cs typeface="Lato" panose="020F0502020204030203" pitchFamily="34" charset="0"/>
               </a:rPr>
-              <a:t>And many more…</a:t>
+              <a:t>The larger the property (in square feet), the higher the average rent price.</a:t>
             </a:r>
+          </a:p>
+          <a:p>
+            <a:pPr marL="14287" indent="0" algn="just">
+              <a:lnSpc>
+                <a:spcPts val="1350"/>
+              </a:lnSpc>
+            </a:pPr>
+            <a:endParaRPr lang="en-AU" b="0" dirty="0">
+              <a:solidFill>
+                <a:srgbClr val="000000"/>
+              </a:solidFill>
+              <a:effectLst/>
+              <a:latin typeface="Lato" panose="020F0502020204030203" pitchFamily="34" charset="0"/>
+              <a:ea typeface="Lato" panose="020F0502020204030203" pitchFamily="34" charset="0"/>
+              <a:cs typeface="Lato" panose="020F0502020204030203" pitchFamily="34" charset="0"/>
+            </a:endParaRPr>
           </a:p>
         </p:txBody>
       </p:sp>
@@ -35638,7 +36896,7 @@
 </p:sld>
 </file>
 
-<file path=ppt/slides/slide17.xml><?xml version="1.0" encoding="utf-8"?>
+<file path=ppt/slides/slide18.xml><?xml version="1.0" encoding="utf-8"?>
 <p:sld xmlns:a="http://schemas.openxmlformats.org/drawingml/2006/main" xmlns:r="http://schemas.openxmlformats.org/officeDocument/2006/relationships" xmlns:p="http://schemas.openxmlformats.org/presentationml/2006/main">
   <p:cSld>
     <p:spTree>
@@ -35751,7 +37009,7 @@
             </a:pPr>
             <a:r>
               <a:rPr lang="en" dirty="0"/>
-              <a:t>04</a:t>
+              <a:t>05</a:t>
             </a:r>
             <a:endParaRPr dirty="0"/>
           </a:p>
@@ -35770,7 +37028,7 @@
 </p:sld>
 </file>
 
-<file path=ppt/slides/slide18.xml><?xml version="1.0" encoding="utf-8"?>
+<file path=ppt/slides/slide19.xml><?xml version="1.0" encoding="utf-8"?>
 <p:sld xmlns:a="http://schemas.openxmlformats.org/drawingml/2006/main" xmlns:r="http://schemas.openxmlformats.org/officeDocument/2006/relationships" xmlns:p="http://schemas.openxmlformats.org/presentationml/2006/main">
   <p:cSld>
     <p:spTree>
@@ -36774,138 +38032,6 @@
         </p:txBody>
       </p:sp>
     </p:spTree>
-  </p:cSld>
-  <p:clrMapOvr>
-    <a:masterClrMapping/>
-  </p:clrMapOvr>
-</p:sld>
-</file>
-
-<file path=ppt/slides/slide19.xml><?xml version="1.0" encoding="utf-8"?>
-<p:sld xmlns:a="http://schemas.openxmlformats.org/drawingml/2006/main" xmlns:r="http://schemas.openxmlformats.org/officeDocument/2006/relationships" xmlns:p="http://schemas.openxmlformats.org/presentationml/2006/main">
-  <p:cSld>
-    <p:spTree>
-      <p:nvGrpSpPr>
-        <p:cNvPr id="1" name="Shape 483">
-          <a:extLst>
-            <a:ext uri="{FF2B5EF4-FFF2-40B4-BE49-F238E27FC236}">
-              <a16:creationId xmlns:a16="http://schemas.microsoft.com/office/drawing/2014/main" id="{20A6F23F-6D37-2C99-6642-07776BCA4505}"/>
-            </a:ext>
-          </a:extLst>
-        </p:cNvPr>
-        <p:cNvGrpSpPr/>
-        <p:nvPr/>
-      </p:nvGrpSpPr>
-      <p:grpSpPr>
-        <a:xfrm>
-          <a:off x="0" y="0"/>
-          <a:ext cx="0" cy="0"/>
-          <a:chOff x="0" y="0"/>
-          <a:chExt cx="0" cy="0"/>
-        </a:xfrm>
-      </p:grpSpPr>
-      <p:sp>
-        <p:nvSpPr>
-          <p:cNvPr id="484" name="Google Shape;484;p40">
-            <a:extLst>
-              <a:ext uri="{FF2B5EF4-FFF2-40B4-BE49-F238E27FC236}">
-                <a16:creationId xmlns:a16="http://schemas.microsoft.com/office/drawing/2014/main" id="{475A6AA2-ACDF-2C24-C343-A9FB208CAB24}"/>
-              </a:ext>
-            </a:extLst>
-          </p:cNvPr>
-          <p:cNvSpPr txBox="1">
-            <a:spLocks noGrp="1"/>
-          </p:cNvSpPr>
-          <p:nvPr>
-            <p:ph type="title"/>
-          </p:nvPr>
-        </p:nvSpPr>
-        <p:spPr>
-          <a:xfrm>
-            <a:off x="713225" y="2138300"/>
-            <a:ext cx="5185500" cy="1720500"/>
-          </a:xfrm>
-          <a:prstGeom prst="rect">
-            <a:avLst/>
-          </a:prstGeom>
-        </p:spPr>
-        <p:txBody>
-          <a:bodyPr spcFirstLastPara="1" wrap="square" lIns="91425" tIns="91425" rIns="914400" bIns="91425" anchor="ctr" anchorCtr="0">
-            <a:noAutofit/>
-          </a:bodyPr>
-          <a:lstStyle/>
-          <a:p>
-            <a:pPr marL="0" lvl="0" indent="0" algn="l" rtl="0">
-              <a:spcBef>
-                <a:spcPts val="0"/>
-              </a:spcBef>
-              <a:spcAft>
-                <a:spcPts val="0"/>
-              </a:spcAft>
-              <a:buNone/>
-            </a:pPr>
-            <a:r>
-              <a:rPr lang="en" dirty="0"/>
-              <a:t>evaluation</a:t>
-            </a:r>
-            <a:endParaRPr dirty="0"/>
-          </a:p>
-        </p:txBody>
-      </p:sp>
-      <p:sp>
-        <p:nvSpPr>
-          <p:cNvPr id="485" name="Google Shape;485;p40">
-            <a:extLst>
-              <a:ext uri="{FF2B5EF4-FFF2-40B4-BE49-F238E27FC236}">
-                <a16:creationId xmlns:a16="http://schemas.microsoft.com/office/drawing/2014/main" id="{0238F485-E0AB-7FD4-C78F-5456A59FF41B}"/>
-              </a:ext>
-            </a:extLst>
-          </p:cNvPr>
-          <p:cNvSpPr txBox="1">
-            <a:spLocks noGrp="1"/>
-          </p:cNvSpPr>
-          <p:nvPr>
-            <p:ph type="title" idx="2"/>
-          </p:nvPr>
-        </p:nvSpPr>
-        <p:spPr>
-          <a:xfrm>
-            <a:off x="713225" y="704000"/>
-            <a:ext cx="1138200" cy="1138200"/>
-          </a:xfrm>
-          <a:prstGeom prst="rect">
-            <a:avLst/>
-          </a:prstGeom>
-        </p:spPr>
-        <p:txBody>
-          <a:bodyPr spcFirstLastPara="1" wrap="square" lIns="91425" tIns="91425" rIns="91425" bIns="91425" anchor="ctr" anchorCtr="0">
-            <a:noAutofit/>
-          </a:bodyPr>
-          <a:lstStyle/>
-          <a:p>
-            <a:pPr marL="0" lvl="0" indent="0" algn="ctr" rtl="0">
-              <a:spcBef>
-                <a:spcPts val="0"/>
-              </a:spcBef>
-              <a:spcAft>
-                <a:spcPts val="0"/>
-              </a:spcAft>
-              <a:buNone/>
-            </a:pPr>
-            <a:r>
-              <a:rPr lang="en" dirty="0"/>
-              <a:t>05</a:t>
-            </a:r>
-            <a:endParaRPr dirty="0"/>
-          </a:p>
-        </p:txBody>
-      </p:sp>
-    </p:spTree>
-    <p:extLst>
-      <p:ext uri="{BB962C8B-B14F-4D97-AF65-F5344CB8AC3E}">
-        <p14:creationId xmlns:p14="http://schemas.microsoft.com/office/powerpoint/2010/main" val="1385454299"/>
-      </p:ext>
-    </p:extLst>
   </p:cSld>
   <p:clrMapOvr>
     <a:masterClrMapping/>
@@ -37102,6 +38228,138 @@
 </file>
 
 <file path=ppt/slides/slide20.xml><?xml version="1.0" encoding="utf-8"?>
+<p:sld xmlns:a="http://schemas.openxmlformats.org/drawingml/2006/main" xmlns:r="http://schemas.openxmlformats.org/officeDocument/2006/relationships" xmlns:p="http://schemas.openxmlformats.org/presentationml/2006/main">
+  <p:cSld>
+    <p:spTree>
+      <p:nvGrpSpPr>
+        <p:cNvPr id="1" name="Shape 483">
+          <a:extLst>
+            <a:ext uri="{FF2B5EF4-FFF2-40B4-BE49-F238E27FC236}">
+              <a16:creationId xmlns:a16="http://schemas.microsoft.com/office/drawing/2014/main" id="{20A6F23F-6D37-2C99-6642-07776BCA4505}"/>
+            </a:ext>
+          </a:extLst>
+        </p:cNvPr>
+        <p:cNvGrpSpPr/>
+        <p:nvPr/>
+      </p:nvGrpSpPr>
+      <p:grpSpPr>
+        <a:xfrm>
+          <a:off x="0" y="0"/>
+          <a:ext cx="0" cy="0"/>
+          <a:chOff x="0" y="0"/>
+          <a:chExt cx="0" cy="0"/>
+        </a:xfrm>
+      </p:grpSpPr>
+      <p:sp>
+        <p:nvSpPr>
+          <p:cNvPr id="484" name="Google Shape;484;p40">
+            <a:extLst>
+              <a:ext uri="{FF2B5EF4-FFF2-40B4-BE49-F238E27FC236}">
+                <a16:creationId xmlns:a16="http://schemas.microsoft.com/office/drawing/2014/main" id="{475A6AA2-ACDF-2C24-C343-A9FB208CAB24}"/>
+              </a:ext>
+            </a:extLst>
+          </p:cNvPr>
+          <p:cNvSpPr txBox="1">
+            <a:spLocks noGrp="1"/>
+          </p:cNvSpPr>
+          <p:nvPr>
+            <p:ph type="title"/>
+          </p:nvPr>
+        </p:nvSpPr>
+        <p:spPr>
+          <a:xfrm>
+            <a:off x="713225" y="2138300"/>
+            <a:ext cx="5185500" cy="1720500"/>
+          </a:xfrm>
+          <a:prstGeom prst="rect">
+            <a:avLst/>
+          </a:prstGeom>
+        </p:spPr>
+        <p:txBody>
+          <a:bodyPr spcFirstLastPara="1" wrap="square" lIns="91425" tIns="91425" rIns="914400" bIns="91425" anchor="ctr" anchorCtr="0">
+            <a:noAutofit/>
+          </a:bodyPr>
+          <a:lstStyle/>
+          <a:p>
+            <a:pPr marL="0" lvl="0" indent="0" algn="l" rtl="0">
+              <a:spcBef>
+                <a:spcPts val="0"/>
+              </a:spcBef>
+              <a:spcAft>
+                <a:spcPts val="0"/>
+              </a:spcAft>
+              <a:buNone/>
+            </a:pPr>
+            <a:r>
+              <a:rPr lang="en" dirty="0"/>
+              <a:t>evaluation</a:t>
+            </a:r>
+            <a:endParaRPr dirty="0"/>
+          </a:p>
+        </p:txBody>
+      </p:sp>
+      <p:sp>
+        <p:nvSpPr>
+          <p:cNvPr id="485" name="Google Shape;485;p40">
+            <a:extLst>
+              <a:ext uri="{FF2B5EF4-FFF2-40B4-BE49-F238E27FC236}">
+                <a16:creationId xmlns:a16="http://schemas.microsoft.com/office/drawing/2014/main" id="{0238F485-E0AB-7FD4-C78F-5456A59FF41B}"/>
+              </a:ext>
+            </a:extLst>
+          </p:cNvPr>
+          <p:cNvSpPr txBox="1">
+            <a:spLocks noGrp="1"/>
+          </p:cNvSpPr>
+          <p:nvPr>
+            <p:ph type="title" idx="2"/>
+          </p:nvPr>
+        </p:nvSpPr>
+        <p:spPr>
+          <a:xfrm>
+            <a:off x="713225" y="704000"/>
+            <a:ext cx="1138200" cy="1138200"/>
+          </a:xfrm>
+          <a:prstGeom prst="rect">
+            <a:avLst/>
+          </a:prstGeom>
+        </p:spPr>
+        <p:txBody>
+          <a:bodyPr spcFirstLastPara="1" wrap="square" lIns="91425" tIns="91425" rIns="91425" bIns="91425" anchor="ctr" anchorCtr="0">
+            <a:noAutofit/>
+          </a:bodyPr>
+          <a:lstStyle/>
+          <a:p>
+            <a:pPr marL="0" lvl="0" indent="0" algn="ctr" rtl="0">
+              <a:spcBef>
+                <a:spcPts val="0"/>
+              </a:spcBef>
+              <a:spcAft>
+                <a:spcPts val="0"/>
+              </a:spcAft>
+              <a:buNone/>
+            </a:pPr>
+            <a:r>
+              <a:rPr lang="en" dirty="0"/>
+              <a:t>06</a:t>
+            </a:r>
+            <a:endParaRPr dirty="0"/>
+          </a:p>
+        </p:txBody>
+      </p:sp>
+    </p:spTree>
+    <p:extLst>
+      <p:ext uri="{BB962C8B-B14F-4D97-AF65-F5344CB8AC3E}">
+        <p14:creationId xmlns:p14="http://schemas.microsoft.com/office/powerpoint/2010/main" val="1385454299"/>
+      </p:ext>
+    </p:extLst>
+  </p:cSld>
+  <p:clrMapOvr>
+    <a:masterClrMapping/>
+  </p:clrMapOvr>
+</p:sld>
+</file>
+
+<file path=ppt/slides/slide21.xml><?xml version="1.0" encoding="utf-8"?>
 <p:sld xmlns:a="http://schemas.openxmlformats.org/drawingml/2006/main" xmlns:r="http://schemas.openxmlformats.org/officeDocument/2006/relationships" xmlns:p="http://schemas.openxmlformats.org/presentationml/2006/main">
   <p:cSld>
     <p:spTree>
@@ -38246,7 +39504,139 @@
 </p:sld>
 </file>
 
-<file path=ppt/slides/slide21.xml><?xml version="1.0" encoding="utf-8"?>
+<file path=ppt/slides/slide22.xml><?xml version="1.0" encoding="utf-8"?>
+<p:sld xmlns:a="http://schemas.openxmlformats.org/drawingml/2006/main" xmlns:r="http://schemas.openxmlformats.org/officeDocument/2006/relationships" xmlns:p="http://schemas.openxmlformats.org/presentationml/2006/main">
+  <p:cSld>
+    <p:spTree>
+      <p:nvGrpSpPr>
+        <p:cNvPr id="1" name="Shape 483">
+          <a:extLst>
+            <a:ext uri="{FF2B5EF4-FFF2-40B4-BE49-F238E27FC236}">
+              <a16:creationId xmlns:a16="http://schemas.microsoft.com/office/drawing/2014/main" id="{6C248DC2-C39B-DBC0-9D78-14B75423ED2C}"/>
+            </a:ext>
+          </a:extLst>
+        </p:cNvPr>
+        <p:cNvGrpSpPr/>
+        <p:nvPr/>
+      </p:nvGrpSpPr>
+      <p:grpSpPr>
+        <a:xfrm>
+          <a:off x="0" y="0"/>
+          <a:ext cx="0" cy="0"/>
+          <a:chOff x="0" y="0"/>
+          <a:chExt cx="0" cy="0"/>
+        </a:xfrm>
+      </p:grpSpPr>
+      <p:sp>
+        <p:nvSpPr>
+          <p:cNvPr id="484" name="Google Shape;484;p40">
+            <a:extLst>
+              <a:ext uri="{FF2B5EF4-FFF2-40B4-BE49-F238E27FC236}">
+                <a16:creationId xmlns:a16="http://schemas.microsoft.com/office/drawing/2014/main" id="{ECE4D3E4-0445-FD1D-FA4F-51BAB2B7A1C1}"/>
+              </a:ext>
+            </a:extLst>
+          </p:cNvPr>
+          <p:cNvSpPr txBox="1">
+            <a:spLocks noGrp="1"/>
+          </p:cNvSpPr>
+          <p:nvPr>
+            <p:ph type="title"/>
+          </p:nvPr>
+        </p:nvSpPr>
+        <p:spPr>
+          <a:xfrm>
+            <a:off x="713225" y="2138300"/>
+            <a:ext cx="5185500" cy="1720500"/>
+          </a:xfrm>
+          <a:prstGeom prst="rect">
+            <a:avLst/>
+          </a:prstGeom>
+        </p:spPr>
+        <p:txBody>
+          <a:bodyPr spcFirstLastPara="1" wrap="square" lIns="91425" tIns="91425" rIns="914400" bIns="91425" anchor="ctr" anchorCtr="0">
+            <a:noAutofit/>
+          </a:bodyPr>
+          <a:lstStyle/>
+          <a:p>
+            <a:pPr marL="0" lvl="0" indent="0" algn="l" rtl="0">
+              <a:spcBef>
+                <a:spcPts val="0"/>
+              </a:spcBef>
+              <a:spcAft>
+                <a:spcPts val="0"/>
+              </a:spcAft>
+              <a:buNone/>
+            </a:pPr>
+            <a:r>
+              <a:rPr lang="en" dirty="0"/>
+              <a:t>DEPLOYMENT</a:t>
+            </a:r>
+            <a:endParaRPr dirty="0"/>
+          </a:p>
+        </p:txBody>
+      </p:sp>
+      <p:sp>
+        <p:nvSpPr>
+          <p:cNvPr id="485" name="Google Shape;485;p40">
+            <a:extLst>
+              <a:ext uri="{FF2B5EF4-FFF2-40B4-BE49-F238E27FC236}">
+                <a16:creationId xmlns:a16="http://schemas.microsoft.com/office/drawing/2014/main" id="{1313D9C5-C957-3E0D-3215-6CF8EAAC8921}"/>
+              </a:ext>
+            </a:extLst>
+          </p:cNvPr>
+          <p:cNvSpPr txBox="1">
+            <a:spLocks noGrp="1"/>
+          </p:cNvSpPr>
+          <p:nvPr>
+            <p:ph type="title" idx="2"/>
+          </p:nvPr>
+        </p:nvSpPr>
+        <p:spPr>
+          <a:xfrm>
+            <a:off x="713225" y="704000"/>
+            <a:ext cx="1138200" cy="1138200"/>
+          </a:xfrm>
+          <a:prstGeom prst="rect">
+            <a:avLst/>
+          </a:prstGeom>
+        </p:spPr>
+        <p:txBody>
+          <a:bodyPr spcFirstLastPara="1" wrap="square" lIns="91425" tIns="91425" rIns="91425" bIns="91425" anchor="ctr" anchorCtr="0">
+            <a:noAutofit/>
+          </a:bodyPr>
+          <a:lstStyle/>
+          <a:p>
+            <a:pPr marL="0" lvl="0" indent="0" algn="ctr" rtl="0">
+              <a:spcBef>
+                <a:spcPts val="0"/>
+              </a:spcBef>
+              <a:spcAft>
+                <a:spcPts val="0"/>
+              </a:spcAft>
+              <a:buNone/>
+            </a:pPr>
+            <a:r>
+              <a:rPr lang="en" dirty="0"/>
+              <a:t>07</a:t>
+            </a:r>
+            <a:endParaRPr dirty="0"/>
+          </a:p>
+        </p:txBody>
+      </p:sp>
+    </p:spTree>
+    <p:extLst>
+      <p:ext uri="{BB962C8B-B14F-4D97-AF65-F5344CB8AC3E}">
+        <p14:creationId xmlns:p14="http://schemas.microsoft.com/office/powerpoint/2010/main" val="1741972639"/>
+      </p:ext>
+    </p:extLst>
+  </p:cSld>
+  <p:clrMapOvr>
+    <a:masterClrMapping/>
+  </p:clrMapOvr>
+</p:sld>
+</file>
+
+<file path=ppt/slides/slide23.xml><?xml version="1.0" encoding="utf-8"?>
 <p:sld xmlns:a="http://schemas.openxmlformats.org/drawingml/2006/main" xmlns:r="http://schemas.openxmlformats.org/officeDocument/2006/relationships" xmlns:p="http://schemas.openxmlformats.org/presentationml/2006/main">
   <p:cSld>
     <p:spTree>
@@ -38336,7 +39726,139 @@
 </p:sld>
 </file>
 
-<file path=ppt/slides/slide22.xml><?xml version="1.0" encoding="utf-8"?>
+<file path=ppt/slides/slide24.xml><?xml version="1.0" encoding="utf-8"?>
+<p:sld xmlns:a="http://schemas.openxmlformats.org/drawingml/2006/main" xmlns:r="http://schemas.openxmlformats.org/officeDocument/2006/relationships" xmlns:p="http://schemas.openxmlformats.org/presentationml/2006/main">
+  <p:cSld>
+    <p:spTree>
+      <p:nvGrpSpPr>
+        <p:cNvPr id="1" name="Shape 483">
+          <a:extLst>
+            <a:ext uri="{FF2B5EF4-FFF2-40B4-BE49-F238E27FC236}">
+              <a16:creationId xmlns:a16="http://schemas.microsoft.com/office/drawing/2014/main" id="{AA962124-4B6B-BFA1-89F2-F46090EDEFE2}"/>
+            </a:ext>
+          </a:extLst>
+        </p:cNvPr>
+        <p:cNvGrpSpPr/>
+        <p:nvPr/>
+      </p:nvGrpSpPr>
+      <p:grpSpPr>
+        <a:xfrm>
+          <a:off x="0" y="0"/>
+          <a:ext cx="0" cy="0"/>
+          <a:chOff x="0" y="0"/>
+          <a:chExt cx="0" cy="0"/>
+        </a:xfrm>
+      </p:grpSpPr>
+      <p:sp>
+        <p:nvSpPr>
+          <p:cNvPr id="484" name="Google Shape;484;p40">
+            <a:extLst>
+              <a:ext uri="{FF2B5EF4-FFF2-40B4-BE49-F238E27FC236}">
+                <a16:creationId xmlns:a16="http://schemas.microsoft.com/office/drawing/2014/main" id="{6640BB15-9B21-EB8C-CB1C-152B5B3D4FB7}"/>
+              </a:ext>
+            </a:extLst>
+          </p:cNvPr>
+          <p:cNvSpPr txBox="1">
+            <a:spLocks noGrp="1"/>
+          </p:cNvSpPr>
+          <p:nvPr>
+            <p:ph type="title"/>
+          </p:nvPr>
+        </p:nvSpPr>
+        <p:spPr>
+          <a:xfrm>
+            <a:off x="713225" y="2138300"/>
+            <a:ext cx="5185500" cy="1720500"/>
+          </a:xfrm>
+          <a:prstGeom prst="rect">
+            <a:avLst/>
+          </a:prstGeom>
+        </p:spPr>
+        <p:txBody>
+          <a:bodyPr spcFirstLastPara="1" wrap="square" lIns="91425" tIns="91425" rIns="914400" bIns="91425" anchor="ctr" anchorCtr="0">
+            <a:noAutofit/>
+          </a:bodyPr>
+          <a:lstStyle/>
+          <a:p>
+            <a:pPr marL="0" lvl="0" indent="0" algn="l" rtl="0">
+              <a:spcBef>
+                <a:spcPts val="0"/>
+              </a:spcBef>
+              <a:spcAft>
+                <a:spcPts val="0"/>
+              </a:spcAft>
+              <a:buNone/>
+            </a:pPr>
+            <a:r>
+              <a:rPr lang="en" sz="5400" dirty="0"/>
+              <a:t>CONCLUSION &amp; RECOMMENDATION</a:t>
+            </a:r>
+            <a:endParaRPr sz="5400" dirty="0"/>
+          </a:p>
+        </p:txBody>
+      </p:sp>
+      <p:sp>
+        <p:nvSpPr>
+          <p:cNvPr id="485" name="Google Shape;485;p40">
+            <a:extLst>
+              <a:ext uri="{FF2B5EF4-FFF2-40B4-BE49-F238E27FC236}">
+                <a16:creationId xmlns:a16="http://schemas.microsoft.com/office/drawing/2014/main" id="{9FF63728-DC5A-F7DF-30FB-A1CF5D51A50A}"/>
+              </a:ext>
+            </a:extLst>
+          </p:cNvPr>
+          <p:cNvSpPr txBox="1">
+            <a:spLocks noGrp="1"/>
+          </p:cNvSpPr>
+          <p:nvPr>
+            <p:ph type="title" idx="2"/>
+          </p:nvPr>
+        </p:nvSpPr>
+        <p:spPr>
+          <a:xfrm>
+            <a:off x="713225" y="704000"/>
+            <a:ext cx="1138200" cy="1138200"/>
+          </a:xfrm>
+          <a:prstGeom prst="rect">
+            <a:avLst/>
+          </a:prstGeom>
+        </p:spPr>
+        <p:txBody>
+          <a:bodyPr spcFirstLastPara="1" wrap="square" lIns="91425" tIns="91425" rIns="91425" bIns="91425" anchor="ctr" anchorCtr="0">
+            <a:noAutofit/>
+          </a:bodyPr>
+          <a:lstStyle/>
+          <a:p>
+            <a:pPr marL="0" lvl="0" indent="0" algn="ctr" rtl="0">
+              <a:spcBef>
+                <a:spcPts val="0"/>
+              </a:spcBef>
+              <a:spcAft>
+                <a:spcPts val="0"/>
+              </a:spcAft>
+              <a:buNone/>
+            </a:pPr>
+            <a:r>
+              <a:rPr lang="en" dirty="0"/>
+              <a:t>08</a:t>
+            </a:r>
+            <a:endParaRPr dirty="0"/>
+          </a:p>
+        </p:txBody>
+      </p:sp>
+    </p:spTree>
+    <p:extLst>
+      <p:ext uri="{BB962C8B-B14F-4D97-AF65-F5344CB8AC3E}">
+        <p14:creationId xmlns:p14="http://schemas.microsoft.com/office/powerpoint/2010/main" val="3398084188"/>
+      </p:ext>
+    </p:extLst>
+  </p:cSld>
+  <p:clrMapOvr>
+    <a:masterClrMapping/>
+  </p:clrMapOvr>
+</p:sld>
+</file>
+
+<file path=ppt/slides/slide25.xml><?xml version="1.0" encoding="utf-8"?>
 <p:sld xmlns:a="http://schemas.openxmlformats.org/drawingml/2006/main" xmlns:r="http://schemas.openxmlformats.org/officeDocument/2006/relationships" xmlns:p="http://schemas.openxmlformats.org/presentationml/2006/main">
   <p:cSld>
     <p:spTree>
@@ -38742,7 +40264,31 @@
                 <a:cs typeface="Lato"/>
                 <a:sym typeface="Lato"/>
               </a:rPr>
-              <a:t>Deploy the model into a rent price estimator website.</a:t>
+              <a:t>Not allowing pets </a:t>
+            </a:r>
+            <a:r>
+              <a:rPr lang="en-AU" dirty="0">
+                <a:solidFill>
+                  <a:schemeClr val="dk1"/>
+                </a:solidFill>
+                <a:latin typeface="Lato"/>
+                <a:ea typeface="Lato"/>
+                <a:cs typeface="Lato"/>
+                <a:sym typeface="Lato"/>
+              </a:rPr>
+              <a:t>in</a:t>
+            </a:r>
+            <a:r>
+              <a:rPr lang="en" dirty="0">
+                <a:solidFill>
+                  <a:schemeClr val="dk1"/>
+                </a:solidFill>
+                <a:latin typeface="Lato"/>
+                <a:ea typeface="Lato"/>
+                <a:cs typeface="Lato"/>
+                <a:sym typeface="Lato"/>
+              </a:rPr>
+              <a:t> their property to increase the rent price.</a:t>
             </a:r>
             <a:endParaRPr dirty="0">
               <a:solidFill>
@@ -38809,7 +40355,7 @@
                 <a:cs typeface="Lato"/>
                 <a:sym typeface="Lato"/>
               </a:rPr>
-              <a:t>Explore more explainer to see the difference.</a:t>
+              <a:t>Urge property owners to provide complete information</a:t>
             </a:r>
             <a:endParaRPr dirty="0">
               <a:solidFill>
@@ -43857,7 +45403,7 @@
 </p:sld>
 </file>
 
-<file path=ppt/slides/slide23.xml><?xml version="1.0" encoding="utf-8"?>
+<file path=ppt/slides/slide26.xml><?xml version="1.0" encoding="utf-8"?>
 <p:sld xmlns:a="http://schemas.openxmlformats.org/drawingml/2006/main" xmlns:r="http://schemas.openxmlformats.org/officeDocument/2006/relationships" xmlns:p="http://schemas.openxmlformats.org/presentationml/2006/main">
   <p:cSld>
     <p:spTree>
@@ -50796,6 +52342,138 @@
 </file>
 
 <file path=ppt/slides/slide8.xml><?xml version="1.0" encoding="utf-8"?>
+<p:sld xmlns:a="http://schemas.openxmlformats.org/drawingml/2006/main" xmlns:r="http://schemas.openxmlformats.org/officeDocument/2006/relationships" xmlns:p="http://schemas.openxmlformats.org/presentationml/2006/main">
+  <p:cSld>
+    <p:spTree>
+      <p:nvGrpSpPr>
+        <p:cNvPr id="1" name="Shape 483">
+          <a:extLst>
+            <a:ext uri="{FF2B5EF4-FFF2-40B4-BE49-F238E27FC236}">
+              <a16:creationId xmlns:a16="http://schemas.microsoft.com/office/drawing/2014/main" id="{D050309B-361F-B1C7-14ED-64BE5563C8C6}"/>
+            </a:ext>
+          </a:extLst>
+        </p:cNvPr>
+        <p:cNvGrpSpPr/>
+        <p:nvPr/>
+      </p:nvGrpSpPr>
+      <p:grpSpPr>
+        <a:xfrm>
+          <a:off x="0" y="0"/>
+          <a:ext cx="0" cy="0"/>
+          <a:chOff x="0" y="0"/>
+          <a:chExt cx="0" cy="0"/>
+        </a:xfrm>
+      </p:grpSpPr>
+      <p:sp>
+        <p:nvSpPr>
+          <p:cNvPr id="484" name="Google Shape;484;p40">
+            <a:extLst>
+              <a:ext uri="{FF2B5EF4-FFF2-40B4-BE49-F238E27FC236}">
+                <a16:creationId xmlns:a16="http://schemas.microsoft.com/office/drawing/2014/main" id="{0EB63941-0496-00B1-1C0E-8156EBBA8334}"/>
+              </a:ext>
+            </a:extLst>
+          </p:cNvPr>
+          <p:cNvSpPr txBox="1">
+            <a:spLocks noGrp="1"/>
+          </p:cNvSpPr>
+          <p:nvPr>
+            <p:ph type="title"/>
+          </p:nvPr>
+        </p:nvSpPr>
+        <p:spPr>
+          <a:xfrm>
+            <a:off x="713225" y="2138300"/>
+            <a:ext cx="5185500" cy="1720500"/>
+          </a:xfrm>
+          <a:prstGeom prst="rect">
+            <a:avLst/>
+          </a:prstGeom>
+        </p:spPr>
+        <p:txBody>
+          <a:bodyPr spcFirstLastPara="1" wrap="square" lIns="91425" tIns="91425" rIns="914400" bIns="91425" anchor="ctr" anchorCtr="0">
+            <a:noAutofit/>
+          </a:bodyPr>
+          <a:lstStyle/>
+          <a:p>
+            <a:pPr marL="0" lvl="0" indent="0" algn="l" rtl="0">
+              <a:spcBef>
+                <a:spcPts val="0"/>
+              </a:spcBef>
+              <a:spcAft>
+                <a:spcPts val="0"/>
+              </a:spcAft>
+              <a:buNone/>
+            </a:pPr>
+            <a:r>
+              <a:rPr lang="en" dirty="0"/>
+              <a:t>Data Preparation</a:t>
+            </a:r>
+            <a:endParaRPr dirty="0"/>
+          </a:p>
+        </p:txBody>
+      </p:sp>
+      <p:sp>
+        <p:nvSpPr>
+          <p:cNvPr id="485" name="Google Shape;485;p40">
+            <a:extLst>
+              <a:ext uri="{FF2B5EF4-FFF2-40B4-BE49-F238E27FC236}">
+                <a16:creationId xmlns:a16="http://schemas.microsoft.com/office/drawing/2014/main" id="{58F3853A-CB95-116C-2E15-53A385DA6B39}"/>
+              </a:ext>
+            </a:extLst>
+          </p:cNvPr>
+          <p:cNvSpPr txBox="1">
+            <a:spLocks noGrp="1"/>
+          </p:cNvSpPr>
+          <p:nvPr>
+            <p:ph type="title" idx="2"/>
+          </p:nvPr>
+        </p:nvSpPr>
+        <p:spPr>
+          <a:xfrm>
+            <a:off x="713225" y="704000"/>
+            <a:ext cx="1138200" cy="1138200"/>
+          </a:xfrm>
+          <a:prstGeom prst="rect">
+            <a:avLst/>
+          </a:prstGeom>
+        </p:spPr>
+        <p:txBody>
+          <a:bodyPr spcFirstLastPara="1" wrap="square" lIns="91425" tIns="91425" rIns="91425" bIns="91425" anchor="ctr" anchorCtr="0">
+            <a:noAutofit/>
+          </a:bodyPr>
+          <a:lstStyle/>
+          <a:p>
+            <a:pPr marL="0" lvl="0" indent="0" algn="ctr" rtl="0">
+              <a:spcBef>
+                <a:spcPts val="0"/>
+              </a:spcBef>
+              <a:spcAft>
+                <a:spcPts val="0"/>
+              </a:spcAft>
+              <a:buNone/>
+            </a:pPr>
+            <a:r>
+              <a:rPr lang="en" dirty="0"/>
+              <a:t>02</a:t>
+            </a:r>
+            <a:endParaRPr dirty="0"/>
+          </a:p>
+        </p:txBody>
+      </p:sp>
+    </p:spTree>
+    <p:extLst>
+      <p:ext uri="{BB962C8B-B14F-4D97-AF65-F5344CB8AC3E}">
+        <p14:creationId xmlns:p14="http://schemas.microsoft.com/office/powerpoint/2010/main" val="1974842124"/>
+      </p:ext>
+    </p:extLst>
+  </p:cSld>
+  <p:clrMapOvr>
+    <a:masterClrMapping/>
+  </p:clrMapOvr>
+</p:sld>
+</file>
+
+<file path=ppt/slides/slide9.xml><?xml version="1.0" encoding="utf-8"?>
 <p:sld xmlns:a="http://schemas.openxmlformats.org/drawingml/2006/main" xmlns:r="http://schemas.openxmlformats.org/officeDocument/2006/relationships" xmlns:p="http://schemas.openxmlformats.org/presentationml/2006/main">
   <p:cSld>
     <p:spTree>
@@ -51240,6 +52918,7 @@
                 <a:ea typeface="Lato"/>
                 <a:cs typeface="Lato"/>
                 <a:sym typeface="Lato"/>
+                <a:hlinkClick r:id="rId3"/>
               </a:rPr>
               <a:t>UCI ML Repository – Apartment for Rent Classified</a:t>
             </a:r>
@@ -51601,884 +53280,53 @@
           </a:p>
         </p:txBody>
       </p:sp>
-    </p:spTree>
-  </p:cSld>
-  <p:clrMapOvr>
-    <a:masterClrMapping/>
-  </p:clrMapOvr>
-</p:sld>
-</file>
-
-<file path=ppt/slides/slide9.xml><?xml version="1.0" encoding="utf-8"?>
-<p:sld xmlns:a="http://schemas.openxmlformats.org/drawingml/2006/main" xmlns:r="http://schemas.openxmlformats.org/officeDocument/2006/relationships" xmlns:p="http://schemas.openxmlformats.org/presentationml/2006/main">
-  <p:cSld>
-    <p:spTree>
-      <p:nvGrpSpPr>
-        <p:cNvPr id="1" name="Shape 534"/>
-        <p:cNvGrpSpPr/>
-        <p:nvPr/>
-      </p:nvGrpSpPr>
-      <p:grpSpPr>
-        <a:xfrm>
-          <a:off x="0" y="0"/>
-          <a:ext cx="0" cy="0"/>
-          <a:chOff x="0" y="0"/>
-          <a:chExt cx="0" cy="0"/>
-        </a:xfrm>
-      </p:grpSpPr>
-      <p:sp>
-        <p:nvSpPr>
-          <p:cNvPr id="535" name="Google Shape;535;p43"/>
-          <p:cNvSpPr txBox="1">
-            <a:spLocks noGrp="1"/>
-          </p:cNvSpPr>
-          <p:nvPr>
-            <p:ph type="title"/>
-          </p:nvPr>
-        </p:nvSpPr>
-        <p:spPr>
+      <p:pic>
+        <p:nvPicPr>
+          <p:cNvPr id="2" name="Picture 2" descr="Click icon - Download on Iconfinder on Iconfinder">
+            <a:extLst>
+              <a:ext uri="{FF2B5EF4-FFF2-40B4-BE49-F238E27FC236}">
+                <a16:creationId xmlns:a16="http://schemas.microsoft.com/office/drawing/2014/main" id="{4D62576D-F43F-73CF-6E3E-AE2635092D4D}"/>
+              </a:ext>
+            </a:extLst>
+          </p:cNvPr>
+          <p:cNvPicPr>
+            <a:picLocks noChangeAspect="1" noChangeArrowheads="1"/>
+          </p:cNvPicPr>
+          <p:nvPr/>
+        </p:nvPicPr>
+        <p:blipFill>
+          <a:blip r:embed="rId4">
+            <a:extLst>
+              <a:ext uri="{28A0092B-C50C-407E-A947-70E740481C1C}">
+                <a14:useLocalDpi xmlns:a14="http://schemas.microsoft.com/office/drawing/2010/main" val="0"/>
+              </a:ext>
+            </a:extLst>
+          </a:blip>
+          <a:srcRect/>
+          <a:stretch>
+            <a:fillRect/>
+          </a:stretch>
+        </p:blipFill>
+        <p:spPr bwMode="auto">
           <a:xfrm>
-            <a:off x="713225" y="1036450"/>
-            <a:ext cx="3971418" cy="891900"/>
+            <a:off x="5553073" y="2140264"/>
+            <a:ext cx="262986" cy="262986"/>
           </a:xfrm>
           <a:prstGeom prst="rect">
             <a:avLst/>
           </a:prstGeom>
+          <a:noFill/>
+          <a:extLst>
+            <a:ext uri="{909E8E84-426E-40DD-AFC4-6F175D3DCCD1}">
+              <a14:hiddenFill xmlns:a14="http://schemas.microsoft.com/office/drawing/2010/main">
+                <a:solidFill>
+                  <a:srgbClr val="FFFFFF"/>
+                </a:solidFill>
+              </a14:hiddenFill>
+            </a:ext>
+          </a:extLst>
         </p:spPr>
-        <p:txBody>
-          <a:bodyPr spcFirstLastPara="1" wrap="square" lIns="91425" tIns="91425" rIns="91425" bIns="91425" anchor="ctr" anchorCtr="0">
-            <a:noAutofit/>
-          </a:bodyPr>
-          <a:lstStyle/>
-          <a:p>
-            <a:pPr marL="0" lvl="0" indent="0" algn="l" rtl="0">
-              <a:spcBef>
-                <a:spcPts val="0"/>
-              </a:spcBef>
-              <a:spcAft>
-                <a:spcPts val="0"/>
-              </a:spcAft>
-              <a:buNone/>
-            </a:pPr>
-            <a:r>
-              <a:rPr lang="en" dirty="0"/>
-              <a:t>success metrics</a:t>
-            </a:r>
-            <a:endParaRPr dirty="0"/>
-          </a:p>
-        </p:txBody>
-      </p:sp>
-      <p:sp>
-        <p:nvSpPr>
-          <p:cNvPr id="536" name="Google Shape;536;p43"/>
-          <p:cNvSpPr txBox="1">
-            <a:spLocks noGrp="1"/>
-          </p:cNvSpPr>
-          <p:nvPr>
-            <p:ph type="subTitle" idx="1"/>
-          </p:nvPr>
-        </p:nvSpPr>
-        <p:spPr>
-          <a:xfrm>
-            <a:off x="713224" y="1928450"/>
-            <a:ext cx="3535189" cy="2178600"/>
-          </a:xfrm>
-          <a:prstGeom prst="rect">
-            <a:avLst/>
-          </a:prstGeom>
-        </p:spPr>
-        <p:txBody>
-          <a:bodyPr spcFirstLastPara="1" wrap="square" lIns="91425" tIns="91425" rIns="91425" bIns="91425" anchor="t" anchorCtr="0">
-            <a:noAutofit/>
-          </a:bodyPr>
-          <a:lstStyle/>
-          <a:p>
-            <a:pPr algn="l">
-              <a:buFont typeface="Arial" panose="020B0604020202020204" pitchFamily="34" charset="0"/>
-              <a:buChar char="•"/>
-            </a:pPr>
-            <a:r>
-              <a:rPr lang="en-AU" b="0" i="0" dirty="0">
-                <a:effectLst/>
-                <a:latin typeface="Lato" panose="020F0502020204030203" pitchFamily="34" charset="0"/>
-                <a:ea typeface="Lato" panose="020F0502020204030203" pitchFamily="34" charset="0"/>
-                <a:cs typeface="Lato" panose="020F0502020204030203" pitchFamily="34" charset="0"/>
-              </a:rPr>
-              <a:t>Model performance RMSE &lt; $350 and MAPE &lt; 20%.</a:t>
-            </a:r>
-          </a:p>
-          <a:p>
-            <a:pPr algn="l">
-              <a:buFont typeface="Arial" panose="020B0604020202020204" pitchFamily="34" charset="0"/>
-              <a:buChar char="•"/>
-            </a:pPr>
-            <a:r>
-              <a:rPr lang="en-AU" b="0" i="0" dirty="0">
-                <a:effectLst/>
-                <a:latin typeface="Lato" panose="020F0502020204030203" pitchFamily="34" charset="0"/>
-                <a:ea typeface="Lato" panose="020F0502020204030203" pitchFamily="34" charset="0"/>
-                <a:cs typeface="Lato" panose="020F0502020204030203" pitchFamily="34" charset="0"/>
-              </a:rPr>
-              <a:t>Identify top 4 most influential pricing factors.</a:t>
-            </a:r>
-          </a:p>
-          <a:p>
-            <a:pPr algn="l">
-              <a:buFont typeface="Arial" panose="020B0604020202020204" pitchFamily="34" charset="0"/>
-              <a:buChar char="•"/>
-            </a:pPr>
-            <a:r>
-              <a:rPr lang="en-AU" b="0" i="0" dirty="0">
-                <a:effectLst/>
-                <a:latin typeface="Lato" panose="020F0502020204030203" pitchFamily="34" charset="0"/>
-                <a:ea typeface="Lato" panose="020F0502020204030203" pitchFamily="34" charset="0"/>
-                <a:cs typeface="Lato" panose="020F0502020204030203" pitchFamily="34" charset="0"/>
-              </a:rPr>
-              <a:t>Deploy model for real-time price estimation.</a:t>
-            </a:r>
-          </a:p>
-        </p:txBody>
-      </p:sp>
-      <p:grpSp>
-        <p:nvGrpSpPr>
-          <p:cNvPr id="537" name="Google Shape;537;p43"/>
-          <p:cNvGrpSpPr/>
-          <p:nvPr/>
-        </p:nvGrpSpPr>
-        <p:grpSpPr>
-          <a:xfrm>
-            <a:off x="4315012" y="925500"/>
-            <a:ext cx="4828988" cy="4217991"/>
-            <a:chOff x="4315012" y="925500"/>
-            <a:chExt cx="4828988" cy="4217991"/>
-          </a:xfrm>
-        </p:grpSpPr>
-        <p:sp>
-          <p:nvSpPr>
-            <p:cNvPr id="538" name="Google Shape;538;p43"/>
-            <p:cNvSpPr/>
-            <p:nvPr/>
-          </p:nvSpPr>
-          <p:spPr>
-            <a:xfrm>
-              <a:off x="4840714" y="1256475"/>
-              <a:ext cx="2820600" cy="2820600"/>
-            </a:xfrm>
-            <a:prstGeom prst="ellipse">
-              <a:avLst/>
-            </a:prstGeom>
-            <a:solidFill>
-              <a:schemeClr val="accent1"/>
-            </a:solidFill>
-            <a:ln w="9525" cap="flat" cmpd="sng">
-              <a:solidFill>
-                <a:schemeClr val="accent1"/>
-              </a:solidFill>
-              <a:prstDash val="solid"/>
-              <a:round/>
-              <a:headEnd type="none" w="sm" len="sm"/>
-              <a:tailEnd type="none" w="sm" len="sm"/>
-            </a:ln>
-          </p:spPr>
-          <p:txBody>
-            <a:bodyPr spcFirstLastPara="1" wrap="square" lIns="91425" tIns="91425" rIns="91425" bIns="91425" anchor="ctr" anchorCtr="0">
-              <a:noAutofit/>
-            </a:bodyPr>
-            <a:lstStyle/>
-            <a:p>
-              <a:pPr marL="0" lvl="0" indent="0" algn="l" rtl="0">
-                <a:spcBef>
-                  <a:spcPts val="0"/>
-                </a:spcBef>
-                <a:spcAft>
-                  <a:spcPts val="0"/>
-                </a:spcAft>
-                <a:buNone/>
-              </a:pPr>
-              <a:endParaRPr/>
-            </a:p>
-          </p:txBody>
-        </p:sp>
-        <p:sp>
-          <p:nvSpPr>
-            <p:cNvPr id="539" name="Google Shape;539;p43"/>
-            <p:cNvSpPr/>
-            <p:nvPr/>
-          </p:nvSpPr>
-          <p:spPr>
-            <a:xfrm>
-              <a:off x="4315012" y="3014036"/>
-              <a:ext cx="2278800" cy="2129400"/>
-            </a:xfrm>
-            <a:prstGeom prst="rect">
-              <a:avLst/>
-            </a:prstGeom>
-            <a:solidFill>
-              <a:schemeClr val="lt1"/>
-            </a:solidFill>
-            <a:ln w="9525" cap="flat" cmpd="sng">
-              <a:solidFill>
-                <a:schemeClr val="lt1"/>
-              </a:solidFill>
-              <a:prstDash val="solid"/>
-              <a:round/>
-              <a:headEnd type="none" w="sm" len="sm"/>
-              <a:tailEnd type="none" w="sm" len="sm"/>
-            </a:ln>
-          </p:spPr>
-          <p:txBody>
-            <a:bodyPr spcFirstLastPara="1" wrap="square" lIns="91425" tIns="91425" rIns="91425" bIns="91425" anchor="ctr" anchorCtr="0">
-              <a:noAutofit/>
-            </a:bodyPr>
-            <a:lstStyle/>
-            <a:p>
-              <a:pPr marL="0" lvl="0" indent="0" algn="l" rtl="0">
-                <a:spcBef>
-                  <a:spcPts val="0"/>
-                </a:spcBef>
-                <a:spcAft>
-                  <a:spcPts val="0"/>
-                </a:spcAft>
-                <a:buNone/>
-              </a:pPr>
-              <a:endParaRPr/>
-            </a:p>
-          </p:txBody>
-        </p:sp>
-        <p:sp>
-          <p:nvSpPr>
-            <p:cNvPr id="540" name="Google Shape;540;p43"/>
-            <p:cNvSpPr/>
-            <p:nvPr/>
-          </p:nvSpPr>
-          <p:spPr>
-            <a:xfrm flipH="1">
-              <a:off x="7282990" y="925500"/>
-              <a:ext cx="1171836" cy="4217982"/>
-            </a:xfrm>
-            <a:custGeom>
-              <a:avLst/>
-              <a:gdLst/>
-              <a:ahLst/>
-              <a:cxnLst/>
-              <a:rect l="l" t="t" r="r" b="b"/>
-              <a:pathLst>
-                <a:path w="5271" h="18973" extrusionOk="0">
-                  <a:moveTo>
-                    <a:pt x="1" y="1"/>
-                  </a:moveTo>
-                  <a:lnTo>
-                    <a:pt x="1" y="18973"/>
-                  </a:lnTo>
-                  <a:lnTo>
-                    <a:pt x="5270" y="18973"/>
-                  </a:lnTo>
-                  <a:lnTo>
-                    <a:pt x="5270" y="2213"/>
-                  </a:lnTo>
-                  <a:lnTo>
-                    <a:pt x="1" y="1"/>
-                  </a:lnTo>
-                  <a:close/>
-                </a:path>
-              </a:pathLst>
-            </a:custGeom>
-            <a:solidFill>
-              <a:schemeClr val="accent3"/>
-            </a:solidFill>
-            <a:ln>
-              <a:noFill/>
-            </a:ln>
-          </p:spPr>
-          <p:txBody>
-            <a:bodyPr spcFirstLastPara="1" wrap="square" lIns="91425" tIns="91425" rIns="91425" bIns="91425" anchor="ctr" anchorCtr="0">
-              <a:noAutofit/>
-            </a:bodyPr>
-            <a:lstStyle/>
-            <a:p>
-              <a:pPr marL="0" lvl="0" indent="0" algn="l" rtl="0">
-                <a:spcBef>
-                  <a:spcPts val="0"/>
-                </a:spcBef>
-                <a:spcAft>
-                  <a:spcPts val="0"/>
-                </a:spcAft>
-                <a:buNone/>
-              </a:pPr>
-              <a:endParaRPr/>
-            </a:p>
-          </p:txBody>
-        </p:sp>
-        <p:sp>
-          <p:nvSpPr>
-            <p:cNvPr id="541" name="Google Shape;541;p43"/>
-            <p:cNvSpPr/>
-            <p:nvPr/>
-          </p:nvSpPr>
-          <p:spPr>
-            <a:xfrm flipH="1">
-              <a:off x="7943721" y="1427263"/>
-              <a:ext cx="228320" cy="444185"/>
-            </a:xfrm>
-            <a:custGeom>
-              <a:avLst/>
-              <a:gdLst/>
-              <a:ahLst/>
-              <a:cxnLst/>
-              <a:rect l="l" t="t" r="r" b="b"/>
-              <a:pathLst>
-                <a:path w="1027" h="1998" extrusionOk="0">
-                  <a:moveTo>
-                    <a:pt x="351" y="1"/>
-                  </a:moveTo>
-                  <a:cubicBezTo>
-                    <a:pt x="257" y="1"/>
-                    <a:pt x="164" y="38"/>
-                    <a:pt x="97" y="106"/>
-                  </a:cubicBezTo>
-                  <a:cubicBezTo>
-                    <a:pt x="33" y="170"/>
-                    <a:pt x="1" y="255"/>
-                    <a:pt x="11" y="352"/>
-                  </a:cubicBezTo>
-                  <a:lnTo>
-                    <a:pt x="11" y="1602"/>
-                  </a:lnTo>
-                  <a:lnTo>
-                    <a:pt x="1027" y="1998"/>
-                  </a:lnTo>
-                  <a:lnTo>
-                    <a:pt x="1027" y="747"/>
-                  </a:lnTo>
-                  <a:cubicBezTo>
-                    <a:pt x="1016" y="587"/>
-                    <a:pt x="962" y="448"/>
-                    <a:pt x="877" y="330"/>
-                  </a:cubicBezTo>
-                  <a:cubicBezTo>
-                    <a:pt x="845" y="298"/>
-                    <a:pt x="824" y="255"/>
-                    <a:pt x="791" y="234"/>
-                  </a:cubicBezTo>
-                  <a:cubicBezTo>
-                    <a:pt x="717" y="149"/>
-                    <a:pt x="620" y="84"/>
-                    <a:pt x="514" y="42"/>
-                  </a:cubicBezTo>
-                  <a:cubicBezTo>
-                    <a:pt x="462" y="14"/>
-                    <a:pt x="406" y="1"/>
-                    <a:pt x="351" y="1"/>
-                  </a:cubicBezTo>
-                  <a:close/>
-                </a:path>
-              </a:pathLst>
-            </a:custGeom>
-            <a:solidFill>
-              <a:schemeClr val="accent4"/>
-            </a:solidFill>
-            <a:ln>
-              <a:noFill/>
-            </a:ln>
-          </p:spPr>
-          <p:txBody>
-            <a:bodyPr spcFirstLastPara="1" wrap="square" lIns="91425" tIns="91425" rIns="91425" bIns="91425" anchor="ctr" anchorCtr="0">
-              <a:noAutofit/>
-            </a:bodyPr>
-            <a:lstStyle/>
-            <a:p>
-              <a:pPr marL="0" lvl="0" indent="0" algn="l" rtl="0">
-                <a:spcBef>
-                  <a:spcPts val="0"/>
-                </a:spcBef>
-                <a:spcAft>
-                  <a:spcPts val="0"/>
-                </a:spcAft>
-                <a:buNone/>
-              </a:pPr>
-              <a:endParaRPr/>
-            </a:p>
-          </p:txBody>
-        </p:sp>
-        <p:sp>
-          <p:nvSpPr>
-            <p:cNvPr id="542" name="Google Shape;542;p43"/>
-            <p:cNvSpPr/>
-            <p:nvPr/>
-          </p:nvSpPr>
-          <p:spPr>
-            <a:xfrm flipH="1">
-              <a:off x="7480418" y="1605559"/>
-              <a:ext cx="225875" cy="446409"/>
-            </a:xfrm>
-            <a:custGeom>
-              <a:avLst/>
-              <a:gdLst/>
-              <a:ahLst/>
-              <a:cxnLst/>
-              <a:rect l="l" t="t" r="r" b="b"/>
-              <a:pathLst>
-                <a:path w="1016" h="2008" extrusionOk="0">
-                  <a:moveTo>
-                    <a:pt x="350" y="1"/>
-                  </a:moveTo>
-                  <a:cubicBezTo>
-                    <a:pt x="255" y="1"/>
-                    <a:pt x="160" y="38"/>
-                    <a:pt x="86" y="105"/>
-                  </a:cubicBezTo>
-                  <a:cubicBezTo>
-                    <a:pt x="33" y="170"/>
-                    <a:pt x="0" y="255"/>
-                    <a:pt x="0" y="351"/>
-                  </a:cubicBezTo>
-                  <a:lnTo>
-                    <a:pt x="0" y="1602"/>
-                  </a:lnTo>
-                  <a:lnTo>
-                    <a:pt x="1016" y="2008"/>
-                  </a:lnTo>
-                  <a:lnTo>
-                    <a:pt x="1016" y="757"/>
-                  </a:lnTo>
-                  <a:cubicBezTo>
-                    <a:pt x="1016" y="597"/>
-                    <a:pt x="962" y="447"/>
-                    <a:pt x="866" y="330"/>
-                  </a:cubicBezTo>
-                  <a:cubicBezTo>
-                    <a:pt x="845" y="298"/>
-                    <a:pt x="813" y="266"/>
-                    <a:pt x="791" y="234"/>
-                  </a:cubicBezTo>
-                  <a:cubicBezTo>
-                    <a:pt x="706" y="148"/>
-                    <a:pt x="620" y="84"/>
-                    <a:pt x="514" y="41"/>
-                  </a:cubicBezTo>
-                  <a:cubicBezTo>
-                    <a:pt x="462" y="14"/>
-                    <a:pt x="406" y="1"/>
-                    <a:pt x="350" y="1"/>
-                  </a:cubicBezTo>
-                  <a:close/>
-                </a:path>
-              </a:pathLst>
-            </a:custGeom>
-            <a:solidFill>
-              <a:schemeClr val="accent4"/>
-            </a:solidFill>
-            <a:ln>
-              <a:noFill/>
-            </a:ln>
-          </p:spPr>
-          <p:txBody>
-            <a:bodyPr spcFirstLastPara="1" wrap="square" lIns="91425" tIns="91425" rIns="91425" bIns="91425" anchor="ctr" anchorCtr="0">
-              <a:noAutofit/>
-            </a:bodyPr>
-            <a:lstStyle/>
-            <a:p>
-              <a:pPr marL="0" lvl="0" indent="0" algn="l" rtl="0">
-                <a:spcBef>
-                  <a:spcPts val="0"/>
-                </a:spcBef>
-                <a:spcAft>
-                  <a:spcPts val="0"/>
-                </a:spcAft>
-                <a:buNone/>
-              </a:pPr>
-              <a:endParaRPr/>
-            </a:p>
-          </p:txBody>
-        </p:sp>
-        <p:sp>
-          <p:nvSpPr>
-            <p:cNvPr id="543" name="Google Shape;543;p43"/>
-            <p:cNvSpPr/>
-            <p:nvPr/>
-          </p:nvSpPr>
-          <p:spPr>
-            <a:xfrm flipH="1">
-              <a:off x="7943721" y="2878529"/>
-              <a:ext cx="228320" cy="447298"/>
-            </a:xfrm>
-            <a:custGeom>
-              <a:avLst/>
-              <a:gdLst/>
-              <a:ahLst/>
-              <a:cxnLst/>
-              <a:rect l="l" t="t" r="r" b="b"/>
-              <a:pathLst>
-                <a:path w="1027" h="2012" extrusionOk="0">
-                  <a:moveTo>
-                    <a:pt x="343" y="1"/>
-                  </a:moveTo>
-                  <a:cubicBezTo>
-                    <a:pt x="251" y="1"/>
-                    <a:pt x="162" y="37"/>
-                    <a:pt x="97" y="109"/>
-                  </a:cubicBezTo>
-                  <a:cubicBezTo>
-                    <a:pt x="33" y="173"/>
-                    <a:pt x="1" y="258"/>
-                    <a:pt x="11" y="354"/>
-                  </a:cubicBezTo>
-                  <a:lnTo>
-                    <a:pt x="11" y="1605"/>
-                  </a:lnTo>
-                  <a:lnTo>
-                    <a:pt x="1027" y="2011"/>
-                  </a:lnTo>
-                  <a:lnTo>
-                    <a:pt x="1027" y="750"/>
-                  </a:lnTo>
-                  <a:cubicBezTo>
-                    <a:pt x="1016" y="600"/>
-                    <a:pt x="962" y="451"/>
-                    <a:pt x="877" y="333"/>
-                  </a:cubicBezTo>
-                  <a:cubicBezTo>
-                    <a:pt x="845" y="290"/>
-                    <a:pt x="824" y="258"/>
-                    <a:pt x="791" y="226"/>
-                  </a:cubicBezTo>
-                  <a:cubicBezTo>
-                    <a:pt x="717" y="151"/>
-                    <a:pt x="620" y="87"/>
-                    <a:pt x="514" y="44"/>
-                  </a:cubicBezTo>
-                  <a:cubicBezTo>
-                    <a:pt x="460" y="15"/>
-                    <a:pt x="401" y="1"/>
-                    <a:pt x="343" y="1"/>
-                  </a:cubicBezTo>
-                  <a:close/>
-                </a:path>
-              </a:pathLst>
-            </a:custGeom>
-            <a:solidFill>
-              <a:schemeClr val="accent4"/>
-            </a:solidFill>
-            <a:ln>
-              <a:noFill/>
-            </a:ln>
-          </p:spPr>
-          <p:txBody>
-            <a:bodyPr spcFirstLastPara="1" wrap="square" lIns="91425" tIns="91425" rIns="91425" bIns="91425" anchor="ctr" anchorCtr="0">
-              <a:noAutofit/>
-            </a:bodyPr>
-            <a:lstStyle/>
-            <a:p>
-              <a:pPr marL="0" lvl="0" indent="0" algn="l" rtl="0">
-                <a:spcBef>
-                  <a:spcPts val="0"/>
-                </a:spcBef>
-                <a:spcAft>
-                  <a:spcPts val="0"/>
-                </a:spcAft>
-                <a:buNone/>
-              </a:pPr>
-              <a:endParaRPr/>
-            </a:p>
-          </p:txBody>
-        </p:sp>
-        <p:sp>
-          <p:nvSpPr>
-            <p:cNvPr id="544" name="Google Shape;544;p43"/>
-            <p:cNvSpPr/>
-            <p:nvPr/>
-          </p:nvSpPr>
-          <p:spPr>
-            <a:xfrm flipH="1">
-              <a:off x="7480418" y="3786905"/>
-              <a:ext cx="225875" cy="446631"/>
-            </a:xfrm>
-            <a:custGeom>
-              <a:avLst/>
-              <a:gdLst/>
-              <a:ahLst/>
-              <a:cxnLst/>
-              <a:rect l="l" t="t" r="r" b="b"/>
-              <a:pathLst>
-                <a:path w="1016" h="2009" extrusionOk="0">
-                  <a:moveTo>
-                    <a:pt x="350" y="1"/>
-                  </a:moveTo>
-                  <a:cubicBezTo>
-                    <a:pt x="255" y="1"/>
-                    <a:pt x="160" y="38"/>
-                    <a:pt x="86" y="106"/>
-                  </a:cubicBezTo>
-                  <a:cubicBezTo>
-                    <a:pt x="33" y="170"/>
-                    <a:pt x="0" y="266"/>
-                    <a:pt x="0" y="351"/>
-                  </a:cubicBezTo>
-                  <a:lnTo>
-                    <a:pt x="0" y="1613"/>
-                  </a:lnTo>
-                  <a:lnTo>
-                    <a:pt x="1016" y="2008"/>
-                  </a:lnTo>
-                  <a:lnTo>
-                    <a:pt x="1016" y="747"/>
-                  </a:lnTo>
-                  <a:cubicBezTo>
-                    <a:pt x="1016" y="597"/>
-                    <a:pt x="962" y="448"/>
-                    <a:pt x="866" y="330"/>
-                  </a:cubicBezTo>
-                  <a:cubicBezTo>
-                    <a:pt x="845" y="298"/>
-                    <a:pt x="813" y="266"/>
-                    <a:pt x="791" y="234"/>
-                  </a:cubicBezTo>
-                  <a:cubicBezTo>
-                    <a:pt x="706" y="148"/>
-                    <a:pt x="620" y="84"/>
-                    <a:pt x="514" y="41"/>
-                  </a:cubicBezTo>
-                  <a:cubicBezTo>
-                    <a:pt x="462" y="14"/>
-                    <a:pt x="406" y="1"/>
-                    <a:pt x="350" y="1"/>
-                  </a:cubicBezTo>
-                  <a:close/>
-                </a:path>
-              </a:pathLst>
-            </a:custGeom>
-            <a:solidFill>
-              <a:schemeClr val="accent4"/>
-            </a:solidFill>
-            <a:ln>
-              <a:noFill/>
-            </a:ln>
-          </p:spPr>
-          <p:txBody>
-            <a:bodyPr spcFirstLastPara="1" wrap="square" lIns="91425" tIns="91425" rIns="91425" bIns="91425" anchor="ctr" anchorCtr="0">
-              <a:noAutofit/>
-            </a:bodyPr>
-            <a:lstStyle/>
-            <a:p>
-              <a:pPr marL="0" lvl="0" indent="0" algn="l" rtl="0">
-                <a:spcBef>
-                  <a:spcPts val="0"/>
-                </a:spcBef>
-                <a:spcAft>
-                  <a:spcPts val="0"/>
-                </a:spcAft>
-                <a:buNone/>
-              </a:pPr>
-              <a:endParaRPr/>
-            </a:p>
-          </p:txBody>
-        </p:sp>
-        <p:sp>
-          <p:nvSpPr>
-            <p:cNvPr id="545" name="Google Shape;545;p43"/>
-            <p:cNvSpPr/>
-            <p:nvPr/>
-          </p:nvSpPr>
-          <p:spPr>
-            <a:xfrm flipH="1">
-              <a:off x="8454593" y="932614"/>
-              <a:ext cx="689407" cy="4210868"/>
-            </a:xfrm>
-            <a:custGeom>
-              <a:avLst/>
-              <a:gdLst/>
-              <a:ahLst/>
-              <a:cxnLst/>
-              <a:rect l="l" t="t" r="r" b="b"/>
-              <a:pathLst>
-                <a:path w="3101" h="18941" extrusionOk="0">
-                  <a:moveTo>
-                    <a:pt x="3101" y="1"/>
-                  </a:moveTo>
-                  <a:lnTo>
-                    <a:pt x="1" y="2983"/>
-                  </a:lnTo>
-                  <a:lnTo>
-                    <a:pt x="1" y="18941"/>
-                  </a:lnTo>
-                  <a:lnTo>
-                    <a:pt x="3101" y="18941"/>
-                  </a:lnTo>
-                  <a:lnTo>
-                    <a:pt x="3101" y="1"/>
-                  </a:lnTo>
-                  <a:close/>
-                </a:path>
-              </a:pathLst>
-            </a:custGeom>
-            <a:solidFill>
-              <a:schemeClr val="dk2"/>
-            </a:solidFill>
-            <a:ln>
-              <a:noFill/>
-            </a:ln>
-          </p:spPr>
-          <p:txBody>
-            <a:bodyPr spcFirstLastPara="1" wrap="square" lIns="91425" tIns="91425" rIns="91425" bIns="91425" anchor="ctr" anchorCtr="0">
-              <a:noAutofit/>
-            </a:bodyPr>
-            <a:lstStyle/>
-            <a:p>
-              <a:pPr marL="0" lvl="0" indent="0" algn="l" rtl="0">
-                <a:spcBef>
-                  <a:spcPts val="0"/>
-                </a:spcBef>
-                <a:spcAft>
-                  <a:spcPts val="0"/>
-                </a:spcAft>
-                <a:buNone/>
-              </a:pPr>
-              <a:endParaRPr/>
-            </a:p>
-          </p:txBody>
-        </p:sp>
-        <p:sp>
-          <p:nvSpPr>
-            <p:cNvPr id="546" name="Google Shape;546;p43"/>
-            <p:cNvSpPr/>
-            <p:nvPr/>
-          </p:nvSpPr>
-          <p:spPr>
-            <a:xfrm flipH="1">
-              <a:off x="6593833" y="3014156"/>
-              <a:ext cx="689184" cy="2129333"/>
-            </a:xfrm>
-            <a:custGeom>
-              <a:avLst/>
-              <a:gdLst/>
-              <a:ahLst/>
-              <a:cxnLst/>
-              <a:rect l="l" t="t" r="r" b="b"/>
-              <a:pathLst>
-                <a:path w="3100" h="9578" extrusionOk="0">
-                  <a:moveTo>
-                    <a:pt x="3100" y="0"/>
-                  </a:moveTo>
-                  <a:lnTo>
-                    <a:pt x="0" y="2982"/>
-                  </a:lnTo>
-                  <a:lnTo>
-                    <a:pt x="0" y="9577"/>
-                  </a:lnTo>
-                  <a:lnTo>
-                    <a:pt x="3100" y="9577"/>
-                  </a:lnTo>
-                  <a:lnTo>
-                    <a:pt x="3100" y="0"/>
-                  </a:lnTo>
-                  <a:close/>
-                </a:path>
-              </a:pathLst>
-            </a:custGeom>
-            <a:solidFill>
-              <a:schemeClr val="accent2"/>
-            </a:solidFill>
-            <a:ln w="9525" cap="flat" cmpd="sng">
-              <a:solidFill>
-                <a:schemeClr val="accent2"/>
-              </a:solidFill>
-              <a:prstDash val="solid"/>
-              <a:round/>
-              <a:headEnd type="none" w="sm" len="sm"/>
-              <a:tailEnd type="none" w="sm" len="sm"/>
-            </a:ln>
-          </p:spPr>
-          <p:txBody>
-            <a:bodyPr spcFirstLastPara="1" wrap="square" lIns="91425" tIns="91425" rIns="91425" bIns="91425" anchor="ctr" anchorCtr="0">
-              <a:noAutofit/>
-            </a:bodyPr>
-            <a:lstStyle/>
-            <a:p>
-              <a:pPr marL="0" lvl="0" indent="0" algn="l" rtl="0">
-                <a:spcBef>
-                  <a:spcPts val="0"/>
-                </a:spcBef>
-                <a:spcAft>
-                  <a:spcPts val="0"/>
-                </a:spcAft>
-                <a:buNone/>
-              </a:pPr>
-              <a:endParaRPr/>
-            </a:p>
-          </p:txBody>
-        </p:sp>
-        <p:sp>
-          <p:nvSpPr>
-            <p:cNvPr id="547" name="Google Shape;547;p43"/>
-            <p:cNvSpPr/>
-            <p:nvPr/>
-          </p:nvSpPr>
-          <p:spPr>
-            <a:xfrm flipH="1">
-              <a:off x="4937588" y="3708003"/>
-              <a:ext cx="827021" cy="1435488"/>
-            </a:xfrm>
-            <a:custGeom>
-              <a:avLst/>
-              <a:gdLst/>
-              <a:ahLst/>
-              <a:cxnLst/>
-              <a:rect l="l" t="t" r="r" b="b"/>
-              <a:pathLst>
-                <a:path w="3720" h="6457" extrusionOk="0">
-                  <a:moveTo>
-                    <a:pt x="1860" y="0"/>
-                  </a:moveTo>
-                  <a:cubicBezTo>
-                    <a:pt x="834" y="0"/>
-                    <a:pt x="0" y="834"/>
-                    <a:pt x="0" y="1860"/>
-                  </a:cubicBezTo>
-                  <a:lnTo>
-                    <a:pt x="0" y="6456"/>
-                  </a:lnTo>
-                  <a:lnTo>
-                    <a:pt x="3720" y="6456"/>
-                  </a:lnTo>
-                  <a:lnTo>
-                    <a:pt x="3720" y="1860"/>
-                  </a:lnTo>
-                  <a:cubicBezTo>
-                    <a:pt x="3720" y="834"/>
-                    <a:pt x="2886" y="0"/>
-                    <a:pt x="1860" y="0"/>
-                  </a:cubicBezTo>
-                  <a:close/>
-                </a:path>
-              </a:pathLst>
-            </a:custGeom>
-            <a:solidFill>
-              <a:schemeClr val="accent4"/>
-            </a:solidFill>
-            <a:ln>
-              <a:noFill/>
-            </a:ln>
-          </p:spPr>
-          <p:txBody>
-            <a:bodyPr spcFirstLastPara="1" wrap="square" lIns="91425" tIns="91425" rIns="91425" bIns="91425" anchor="ctr" anchorCtr="0">
-              <a:noAutofit/>
-            </a:bodyPr>
-            <a:lstStyle/>
-            <a:p>
-              <a:pPr marL="0" lvl="0" indent="0" algn="l" rtl="0">
-                <a:spcBef>
-                  <a:spcPts val="0"/>
-                </a:spcBef>
-                <a:spcAft>
-                  <a:spcPts val="0"/>
-                </a:spcAft>
-                <a:buNone/>
-              </a:pPr>
-              <a:endParaRPr/>
-            </a:p>
-          </p:txBody>
-        </p:sp>
-      </p:grpSp>
+      </p:pic>
     </p:spTree>
   </p:cSld>
   <p:clrMapOvr>
